--- a/poster/presentation_slides.pptx
+++ b/poster/presentation_slides.pptx
@@ -14,94 +14,124 @@
     <a:defPPr>
       <a:defRPr lang="en-US"/>
     </a:defPPr>
-    <a:lvl1pPr marL="0" algn="l" defTabSz="914400" rtl="0" eaLnBrk="1" latinLnBrk="0" hangingPunct="1">
-      <a:defRPr sz="1800" kern="1200">
+    <a:lvl1pPr algn="l" rtl="0" fontAlgn="base">
+      <a:spcBef>
+        <a:spcPct val="0"/>
+      </a:spcBef>
+      <a:spcAft>
+        <a:spcPct val="0"/>
+      </a:spcAft>
+      <a:defRPr kern="1200">
         <a:solidFill>
           <a:schemeClr val="tx1"/>
         </a:solidFill>
-        <a:latin typeface="+mn-lt"/>
+        <a:latin typeface="Arial" charset="0"/>
         <a:ea typeface="+mn-ea"/>
-        <a:cs typeface="+mn-cs"/>
+        <a:cs typeface="Arial" charset="0"/>
       </a:defRPr>
     </a:lvl1pPr>
-    <a:lvl2pPr marL="457200" algn="l" defTabSz="914400" rtl="0" eaLnBrk="1" latinLnBrk="0" hangingPunct="1">
-      <a:defRPr sz="1800" kern="1200">
+    <a:lvl2pPr marL="457200" algn="l" rtl="0" fontAlgn="base">
+      <a:spcBef>
+        <a:spcPct val="0"/>
+      </a:spcBef>
+      <a:spcAft>
+        <a:spcPct val="0"/>
+      </a:spcAft>
+      <a:defRPr kern="1200">
         <a:solidFill>
           <a:schemeClr val="tx1"/>
         </a:solidFill>
-        <a:latin typeface="+mn-lt"/>
+        <a:latin typeface="Arial" charset="0"/>
         <a:ea typeface="+mn-ea"/>
-        <a:cs typeface="+mn-cs"/>
+        <a:cs typeface="Arial" charset="0"/>
       </a:defRPr>
     </a:lvl2pPr>
-    <a:lvl3pPr marL="914400" algn="l" defTabSz="914400" rtl="0" eaLnBrk="1" latinLnBrk="0" hangingPunct="1">
-      <a:defRPr sz="1800" kern="1200">
+    <a:lvl3pPr marL="914400" algn="l" rtl="0" fontAlgn="base">
+      <a:spcBef>
+        <a:spcPct val="0"/>
+      </a:spcBef>
+      <a:spcAft>
+        <a:spcPct val="0"/>
+      </a:spcAft>
+      <a:defRPr kern="1200">
         <a:solidFill>
           <a:schemeClr val="tx1"/>
         </a:solidFill>
-        <a:latin typeface="+mn-lt"/>
+        <a:latin typeface="Arial" charset="0"/>
         <a:ea typeface="+mn-ea"/>
-        <a:cs typeface="+mn-cs"/>
+        <a:cs typeface="Arial" charset="0"/>
       </a:defRPr>
     </a:lvl3pPr>
-    <a:lvl4pPr marL="1371600" algn="l" defTabSz="914400" rtl="0" eaLnBrk="1" latinLnBrk="0" hangingPunct="1">
-      <a:defRPr sz="1800" kern="1200">
+    <a:lvl4pPr marL="1371600" algn="l" rtl="0" fontAlgn="base">
+      <a:spcBef>
+        <a:spcPct val="0"/>
+      </a:spcBef>
+      <a:spcAft>
+        <a:spcPct val="0"/>
+      </a:spcAft>
+      <a:defRPr kern="1200">
         <a:solidFill>
           <a:schemeClr val="tx1"/>
         </a:solidFill>
-        <a:latin typeface="+mn-lt"/>
+        <a:latin typeface="Arial" charset="0"/>
         <a:ea typeface="+mn-ea"/>
-        <a:cs typeface="+mn-cs"/>
+        <a:cs typeface="Arial" charset="0"/>
       </a:defRPr>
     </a:lvl4pPr>
-    <a:lvl5pPr marL="1828800" algn="l" defTabSz="914400" rtl="0" eaLnBrk="1" latinLnBrk="0" hangingPunct="1">
-      <a:defRPr sz="1800" kern="1200">
+    <a:lvl5pPr marL="1828800" algn="l" rtl="0" fontAlgn="base">
+      <a:spcBef>
+        <a:spcPct val="0"/>
+      </a:spcBef>
+      <a:spcAft>
+        <a:spcPct val="0"/>
+      </a:spcAft>
+      <a:defRPr kern="1200">
         <a:solidFill>
           <a:schemeClr val="tx1"/>
         </a:solidFill>
-        <a:latin typeface="+mn-lt"/>
+        <a:latin typeface="Arial" charset="0"/>
         <a:ea typeface="+mn-ea"/>
-        <a:cs typeface="+mn-cs"/>
+        <a:cs typeface="Arial" charset="0"/>
       </a:defRPr>
     </a:lvl5pPr>
     <a:lvl6pPr marL="2286000" algn="l" defTabSz="914400" rtl="0" eaLnBrk="1" latinLnBrk="0" hangingPunct="1">
-      <a:defRPr sz="1800" kern="1200">
+      <a:defRPr kern="1200">
         <a:solidFill>
           <a:schemeClr val="tx1"/>
         </a:solidFill>
-        <a:latin typeface="+mn-lt"/>
+        <a:latin typeface="Arial" charset="0"/>
         <a:ea typeface="+mn-ea"/>
-        <a:cs typeface="+mn-cs"/>
+        <a:cs typeface="Arial" charset="0"/>
       </a:defRPr>
     </a:lvl6pPr>
     <a:lvl7pPr marL="2743200" algn="l" defTabSz="914400" rtl="0" eaLnBrk="1" latinLnBrk="0" hangingPunct="1">
-      <a:defRPr sz="1800" kern="1200">
+      <a:defRPr kern="1200">
         <a:solidFill>
           <a:schemeClr val="tx1"/>
         </a:solidFill>
-        <a:latin typeface="+mn-lt"/>
+        <a:latin typeface="Arial" charset="0"/>
         <a:ea typeface="+mn-ea"/>
-        <a:cs typeface="+mn-cs"/>
+        <a:cs typeface="Arial" charset="0"/>
       </a:defRPr>
     </a:lvl7pPr>
     <a:lvl8pPr marL="3200400" algn="l" defTabSz="914400" rtl="0" eaLnBrk="1" latinLnBrk="0" hangingPunct="1">
-      <a:defRPr sz="1800" kern="1200">
+      <a:defRPr kern="1200">
         <a:solidFill>
           <a:schemeClr val="tx1"/>
         </a:solidFill>
-        <a:latin typeface="+mn-lt"/>
+        <a:latin typeface="Arial" charset="0"/>
         <a:ea typeface="+mn-ea"/>
-        <a:cs typeface="+mn-cs"/>
+        <a:cs typeface="Arial" charset="0"/>
       </a:defRPr>
     </a:lvl8pPr>
     <a:lvl9pPr marL="3657600" algn="l" defTabSz="914400" rtl="0" eaLnBrk="1" latinLnBrk="0" hangingPunct="1">
-      <a:defRPr sz="1800" kern="1200">
+      <a:defRPr kern="1200">
         <a:solidFill>
           <a:schemeClr val="tx1"/>
         </a:solidFill>
-        <a:latin typeface="+mn-lt"/>
+        <a:latin typeface="Arial" charset="0"/>
         <a:ea typeface="+mn-ea"/>
-        <a:cs typeface="+mn-cs"/>
+        <a:cs typeface="Arial" charset="0"/>
       </a:defRPr>
     </a:lvl9pPr>
   </p:defaultTextStyle>
@@ -285,11 +315,21 @@
         <p:spPr/>
         <p:txBody>
           <a:bodyPr/>
-          <a:lstStyle/>
-          <a:p>
-            <a:fld id="{90754F3E-D5A7-4398-A0BE-255ED5E2B5DC}" type="datetimeFigureOut">
-              <a:rPr lang="en-US" smtClean="0"/>
-              <a:t>9/1/2013</a:t>
+          <a:lstStyle>
+            <a:lvl1pPr>
+              <a:defRPr/>
+            </a:lvl1pPr>
+          </a:lstStyle>
+          <a:p>
+            <a:pPr>
+              <a:defRPr/>
+            </a:pPr>
+            <a:fld id="{036FB534-1CBD-48E0-AF7E-05A0995A1F79}" type="datetimeFigureOut">
+              <a:rPr lang="en-US"/>
+              <a:pPr>
+                <a:defRPr/>
+              </a:pPr>
+              <a:t>10/3/2013</a:t>
             </a:fld>
             <a:endParaRPr lang="en-US"/>
           </a:p>
@@ -308,8 +348,15 @@
         <p:spPr/>
         <p:txBody>
           <a:bodyPr/>
-          <a:lstStyle/>
-          <a:p>
+          <a:lstStyle>
+            <a:lvl1pPr>
+              <a:defRPr/>
+            </a:lvl1pPr>
+          </a:lstStyle>
+          <a:p>
+            <a:pPr>
+              <a:defRPr/>
+            </a:pPr>
             <a:endParaRPr lang="en-US"/>
           </a:p>
         </p:txBody>
@@ -327,22 +374,27 @@
         <p:spPr/>
         <p:txBody>
           <a:bodyPr/>
-          <a:lstStyle/>
-          <a:p>
-            <a:fld id="{8130E8C1-2229-426D-BBB2-01C95E35F197}" type="slidenum">
-              <a:rPr lang="en-US" smtClean="0"/>
-              <a:t>‹nr.›</a:t>
+          <a:lstStyle>
+            <a:lvl1pPr>
+              <a:defRPr/>
+            </a:lvl1pPr>
+          </a:lstStyle>
+          <a:p>
+            <a:pPr>
+              <a:defRPr/>
+            </a:pPr>
+            <a:fld id="{FA586E08-11E8-4DAB-8FDC-92B1DD67CAFE}" type="slidenum">
+              <a:rPr lang="en-US"/>
+              <a:pPr>
+                <a:defRPr/>
+              </a:pPr>
+              <a:t>‹#›</a:t>
             </a:fld>
             <a:endParaRPr lang="en-US"/>
           </a:p>
         </p:txBody>
       </p:sp>
     </p:spTree>
-    <p:extLst>
-      <p:ext uri="{BB962C8B-B14F-4D97-AF65-F5344CB8AC3E}">
-        <p14:creationId xmlns:p14="http://schemas.microsoft.com/office/powerpoint/2010/main" val="749938718"/>
-      </p:ext>
-    </p:extLst>
   </p:cSld>
   <p:clrMapOvr>
     <a:masterClrMapping/>
@@ -455,11 +507,21 @@
         <p:spPr/>
         <p:txBody>
           <a:bodyPr/>
-          <a:lstStyle/>
-          <a:p>
-            <a:fld id="{90754F3E-D5A7-4398-A0BE-255ED5E2B5DC}" type="datetimeFigureOut">
-              <a:rPr lang="en-US" smtClean="0"/>
-              <a:t>9/1/2013</a:t>
+          <a:lstStyle>
+            <a:lvl1pPr>
+              <a:defRPr/>
+            </a:lvl1pPr>
+          </a:lstStyle>
+          <a:p>
+            <a:pPr>
+              <a:defRPr/>
+            </a:pPr>
+            <a:fld id="{1BAB1DA2-1002-4656-BA7A-B0D553DA7BBA}" type="datetimeFigureOut">
+              <a:rPr lang="en-US"/>
+              <a:pPr>
+                <a:defRPr/>
+              </a:pPr>
+              <a:t>10/3/2013</a:t>
             </a:fld>
             <a:endParaRPr lang="en-US"/>
           </a:p>
@@ -478,8 +540,15 @@
         <p:spPr/>
         <p:txBody>
           <a:bodyPr/>
-          <a:lstStyle/>
-          <a:p>
+          <a:lstStyle>
+            <a:lvl1pPr>
+              <a:defRPr/>
+            </a:lvl1pPr>
+          </a:lstStyle>
+          <a:p>
+            <a:pPr>
+              <a:defRPr/>
+            </a:pPr>
             <a:endParaRPr lang="en-US"/>
           </a:p>
         </p:txBody>
@@ -497,22 +566,27 @@
         <p:spPr/>
         <p:txBody>
           <a:bodyPr/>
-          <a:lstStyle/>
-          <a:p>
-            <a:fld id="{8130E8C1-2229-426D-BBB2-01C95E35F197}" type="slidenum">
-              <a:rPr lang="en-US" smtClean="0"/>
-              <a:t>‹nr.›</a:t>
+          <a:lstStyle>
+            <a:lvl1pPr>
+              <a:defRPr/>
+            </a:lvl1pPr>
+          </a:lstStyle>
+          <a:p>
+            <a:pPr>
+              <a:defRPr/>
+            </a:pPr>
+            <a:fld id="{84C9C145-7F18-4EF0-A7B9-DE3B65AF3525}" type="slidenum">
+              <a:rPr lang="en-US"/>
+              <a:pPr>
+                <a:defRPr/>
+              </a:pPr>
+              <a:t>‹#›</a:t>
             </a:fld>
             <a:endParaRPr lang="en-US"/>
           </a:p>
         </p:txBody>
       </p:sp>
     </p:spTree>
-    <p:extLst>
-      <p:ext uri="{BB962C8B-B14F-4D97-AF65-F5344CB8AC3E}">
-        <p14:creationId xmlns:p14="http://schemas.microsoft.com/office/powerpoint/2010/main" val="3743810203"/>
-      </p:ext>
-    </p:extLst>
   </p:cSld>
   <p:clrMapOvr>
     <a:masterClrMapping/>
@@ -635,11 +709,21 @@
         <p:spPr/>
         <p:txBody>
           <a:bodyPr/>
-          <a:lstStyle/>
-          <a:p>
-            <a:fld id="{90754F3E-D5A7-4398-A0BE-255ED5E2B5DC}" type="datetimeFigureOut">
-              <a:rPr lang="en-US" smtClean="0"/>
-              <a:t>9/1/2013</a:t>
+          <a:lstStyle>
+            <a:lvl1pPr>
+              <a:defRPr/>
+            </a:lvl1pPr>
+          </a:lstStyle>
+          <a:p>
+            <a:pPr>
+              <a:defRPr/>
+            </a:pPr>
+            <a:fld id="{226AFFBD-6483-4F6E-B8D9-34C10F3354CE}" type="datetimeFigureOut">
+              <a:rPr lang="en-US"/>
+              <a:pPr>
+                <a:defRPr/>
+              </a:pPr>
+              <a:t>10/3/2013</a:t>
             </a:fld>
             <a:endParaRPr lang="en-US"/>
           </a:p>
@@ -658,8 +742,15 @@
         <p:spPr/>
         <p:txBody>
           <a:bodyPr/>
-          <a:lstStyle/>
-          <a:p>
+          <a:lstStyle>
+            <a:lvl1pPr>
+              <a:defRPr/>
+            </a:lvl1pPr>
+          </a:lstStyle>
+          <a:p>
+            <a:pPr>
+              <a:defRPr/>
+            </a:pPr>
             <a:endParaRPr lang="en-US"/>
           </a:p>
         </p:txBody>
@@ -677,22 +768,27 @@
         <p:spPr/>
         <p:txBody>
           <a:bodyPr/>
-          <a:lstStyle/>
-          <a:p>
-            <a:fld id="{8130E8C1-2229-426D-BBB2-01C95E35F197}" type="slidenum">
-              <a:rPr lang="en-US" smtClean="0"/>
-              <a:t>‹nr.›</a:t>
+          <a:lstStyle>
+            <a:lvl1pPr>
+              <a:defRPr/>
+            </a:lvl1pPr>
+          </a:lstStyle>
+          <a:p>
+            <a:pPr>
+              <a:defRPr/>
+            </a:pPr>
+            <a:fld id="{C5481A92-F8E9-474D-9FC0-524256C06653}" type="slidenum">
+              <a:rPr lang="en-US"/>
+              <a:pPr>
+                <a:defRPr/>
+              </a:pPr>
+              <a:t>‹#›</a:t>
             </a:fld>
             <a:endParaRPr lang="en-US"/>
           </a:p>
         </p:txBody>
       </p:sp>
     </p:spTree>
-    <p:extLst>
-      <p:ext uri="{BB962C8B-B14F-4D97-AF65-F5344CB8AC3E}">
-        <p14:creationId xmlns:p14="http://schemas.microsoft.com/office/powerpoint/2010/main" val="3667191184"/>
-      </p:ext>
-    </p:extLst>
   </p:cSld>
   <p:clrMapOvr>
     <a:masterClrMapping/>
@@ -805,11 +901,21 @@
         <p:spPr/>
         <p:txBody>
           <a:bodyPr/>
-          <a:lstStyle/>
-          <a:p>
-            <a:fld id="{90754F3E-D5A7-4398-A0BE-255ED5E2B5DC}" type="datetimeFigureOut">
-              <a:rPr lang="en-US" smtClean="0"/>
-              <a:t>9/1/2013</a:t>
+          <a:lstStyle>
+            <a:lvl1pPr>
+              <a:defRPr/>
+            </a:lvl1pPr>
+          </a:lstStyle>
+          <a:p>
+            <a:pPr>
+              <a:defRPr/>
+            </a:pPr>
+            <a:fld id="{B0C05B7C-7465-43E4-8E0D-1BC62D48CC25}" type="datetimeFigureOut">
+              <a:rPr lang="en-US"/>
+              <a:pPr>
+                <a:defRPr/>
+              </a:pPr>
+              <a:t>10/3/2013</a:t>
             </a:fld>
             <a:endParaRPr lang="en-US"/>
           </a:p>
@@ -828,8 +934,15 @@
         <p:spPr/>
         <p:txBody>
           <a:bodyPr/>
-          <a:lstStyle/>
-          <a:p>
+          <a:lstStyle>
+            <a:lvl1pPr>
+              <a:defRPr/>
+            </a:lvl1pPr>
+          </a:lstStyle>
+          <a:p>
+            <a:pPr>
+              <a:defRPr/>
+            </a:pPr>
             <a:endParaRPr lang="en-US"/>
           </a:p>
         </p:txBody>
@@ -847,22 +960,27 @@
         <p:spPr/>
         <p:txBody>
           <a:bodyPr/>
-          <a:lstStyle/>
-          <a:p>
-            <a:fld id="{8130E8C1-2229-426D-BBB2-01C95E35F197}" type="slidenum">
-              <a:rPr lang="en-US" smtClean="0"/>
-              <a:t>‹nr.›</a:t>
+          <a:lstStyle>
+            <a:lvl1pPr>
+              <a:defRPr/>
+            </a:lvl1pPr>
+          </a:lstStyle>
+          <a:p>
+            <a:pPr>
+              <a:defRPr/>
+            </a:pPr>
+            <a:fld id="{BB99D5CD-EF0A-4346-B4A4-2F673316E920}" type="slidenum">
+              <a:rPr lang="en-US"/>
+              <a:pPr>
+                <a:defRPr/>
+              </a:pPr>
+              <a:t>‹#›</a:t>
             </a:fld>
             <a:endParaRPr lang="en-US"/>
           </a:p>
         </p:txBody>
       </p:sp>
     </p:spTree>
-    <p:extLst>
-      <p:ext uri="{BB962C8B-B14F-4D97-AF65-F5344CB8AC3E}">
-        <p14:creationId xmlns:p14="http://schemas.microsoft.com/office/powerpoint/2010/main" val="2458693383"/>
-      </p:ext>
-    </p:extLst>
   </p:cSld>
   <p:clrMapOvr>
     <a:masterClrMapping/>
@@ -1051,11 +1169,21 @@
         <p:spPr/>
         <p:txBody>
           <a:bodyPr/>
-          <a:lstStyle/>
-          <a:p>
-            <a:fld id="{90754F3E-D5A7-4398-A0BE-255ED5E2B5DC}" type="datetimeFigureOut">
-              <a:rPr lang="en-US" smtClean="0"/>
-              <a:t>9/1/2013</a:t>
+          <a:lstStyle>
+            <a:lvl1pPr>
+              <a:defRPr/>
+            </a:lvl1pPr>
+          </a:lstStyle>
+          <a:p>
+            <a:pPr>
+              <a:defRPr/>
+            </a:pPr>
+            <a:fld id="{FDF59A0A-BB22-4708-B72C-ED8D0F79ED82}" type="datetimeFigureOut">
+              <a:rPr lang="en-US"/>
+              <a:pPr>
+                <a:defRPr/>
+              </a:pPr>
+              <a:t>10/3/2013</a:t>
             </a:fld>
             <a:endParaRPr lang="en-US"/>
           </a:p>
@@ -1074,8 +1202,15 @@
         <p:spPr/>
         <p:txBody>
           <a:bodyPr/>
-          <a:lstStyle/>
-          <a:p>
+          <a:lstStyle>
+            <a:lvl1pPr>
+              <a:defRPr/>
+            </a:lvl1pPr>
+          </a:lstStyle>
+          <a:p>
+            <a:pPr>
+              <a:defRPr/>
+            </a:pPr>
             <a:endParaRPr lang="en-US"/>
           </a:p>
         </p:txBody>
@@ -1093,22 +1228,27 @@
         <p:spPr/>
         <p:txBody>
           <a:bodyPr/>
-          <a:lstStyle/>
-          <a:p>
-            <a:fld id="{8130E8C1-2229-426D-BBB2-01C95E35F197}" type="slidenum">
-              <a:rPr lang="en-US" smtClean="0"/>
-              <a:t>‹nr.›</a:t>
+          <a:lstStyle>
+            <a:lvl1pPr>
+              <a:defRPr/>
+            </a:lvl1pPr>
+          </a:lstStyle>
+          <a:p>
+            <a:pPr>
+              <a:defRPr/>
+            </a:pPr>
+            <a:fld id="{5C790634-B04E-40D5-A460-88CF97EB2740}" type="slidenum">
+              <a:rPr lang="en-US"/>
+              <a:pPr>
+                <a:defRPr/>
+              </a:pPr>
+              <a:t>‹#›</a:t>
             </a:fld>
             <a:endParaRPr lang="en-US"/>
           </a:p>
         </p:txBody>
       </p:sp>
     </p:spTree>
-    <p:extLst>
-      <p:ext uri="{BB962C8B-B14F-4D97-AF65-F5344CB8AC3E}">
-        <p14:creationId xmlns:p14="http://schemas.microsoft.com/office/powerpoint/2010/main" val="996110893"/>
-      </p:ext>
-    </p:extLst>
   </p:cSld>
   <p:clrMapOvr>
     <a:masterClrMapping/>
@@ -1328,7 +1468,7 @@
       </p:sp>
       <p:sp>
         <p:nvSpPr>
-          <p:cNvPr id="5" name="Tijdelijke aanduiding voor datum 4"/>
+          <p:cNvPr id="5" name="Tijdelijke aanduiding voor datum 3"/>
           <p:cNvSpPr>
             <a:spLocks noGrp="1"/>
           </p:cNvSpPr>
@@ -1339,11 +1479,21 @@
         <p:spPr/>
         <p:txBody>
           <a:bodyPr/>
-          <a:lstStyle/>
-          <a:p>
-            <a:fld id="{90754F3E-D5A7-4398-A0BE-255ED5E2B5DC}" type="datetimeFigureOut">
-              <a:rPr lang="en-US" smtClean="0"/>
-              <a:t>9/1/2013</a:t>
+          <a:lstStyle>
+            <a:lvl1pPr>
+              <a:defRPr/>
+            </a:lvl1pPr>
+          </a:lstStyle>
+          <a:p>
+            <a:pPr>
+              <a:defRPr/>
+            </a:pPr>
+            <a:fld id="{B4ECE794-7DA9-4F27-8E7D-5E2EF236C3A7}" type="datetimeFigureOut">
+              <a:rPr lang="en-US"/>
+              <a:pPr>
+                <a:defRPr/>
+              </a:pPr>
+              <a:t>10/3/2013</a:t>
             </a:fld>
             <a:endParaRPr lang="en-US"/>
           </a:p>
@@ -1351,7 +1501,7 @@
       </p:sp>
       <p:sp>
         <p:nvSpPr>
-          <p:cNvPr id="6" name="Tijdelijke aanduiding voor voettekst 5"/>
+          <p:cNvPr id="6" name="Tijdelijke aanduiding voor voettekst 4"/>
           <p:cNvSpPr>
             <a:spLocks noGrp="1"/>
           </p:cNvSpPr>
@@ -1362,15 +1512,22 @@
         <p:spPr/>
         <p:txBody>
           <a:bodyPr/>
-          <a:lstStyle/>
-          <a:p>
-            <a:endParaRPr lang="en-US"/>
-          </a:p>
-        </p:txBody>
-      </p:sp>
-      <p:sp>
-        <p:nvSpPr>
-          <p:cNvPr id="7" name="Tijdelijke aanduiding voor dianummer 6"/>
+          <a:lstStyle>
+            <a:lvl1pPr>
+              <a:defRPr/>
+            </a:lvl1pPr>
+          </a:lstStyle>
+          <a:p>
+            <a:pPr>
+              <a:defRPr/>
+            </a:pPr>
+            <a:endParaRPr lang="en-US"/>
+          </a:p>
+        </p:txBody>
+      </p:sp>
+      <p:sp>
+        <p:nvSpPr>
+          <p:cNvPr id="7" name="Tijdelijke aanduiding voor dianummer 5"/>
           <p:cNvSpPr>
             <a:spLocks noGrp="1"/>
           </p:cNvSpPr>
@@ -1381,22 +1538,27 @@
         <p:spPr/>
         <p:txBody>
           <a:bodyPr/>
-          <a:lstStyle/>
-          <a:p>
-            <a:fld id="{8130E8C1-2229-426D-BBB2-01C95E35F197}" type="slidenum">
-              <a:rPr lang="en-US" smtClean="0"/>
-              <a:t>‹nr.›</a:t>
+          <a:lstStyle>
+            <a:lvl1pPr>
+              <a:defRPr/>
+            </a:lvl1pPr>
+          </a:lstStyle>
+          <a:p>
+            <a:pPr>
+              <a:defRPr/>
+            </a:pPr>
+            <a:fld id="{06998193-E2B5-48B3-A0DB-233F25F0F11B}" type="slidenum">
+              <a:rPr lang="en-US"/>
+              <a:pPr>
+                <a:defRPr/>
+              </a:pPr>
+              <a:t>‹#›</a:t>
             </a:fld>
             <a:endParaRPr lang="en-US"/>
           </a:p>
         </p:txBody>
       </p:sp>
     </p:spTree>
-    <p:extLst>
-      <p:ext uri="{BB962C8B-B14F-4D97-AF65-F5344CB8AC3E}">
-        <p14:creationId xmlns:p14="http://schemas.microsoft.com/office/powerpoint/2010/main" val="3719787759"/>
-      </p:ext>
-    </p:extLst>
   </p:cSld>
   <p:clrMapOvr>
     <a:masterClrMapping/>
@@ -1750,7 +1912,7 @@
       </p:sp>
       <p:sp>
         <p:nvSpPr>
-          <p:cNvPr id="7" name="Tijdelijke aanduiding voor datum 6"/>
+          <p:cNvPr id="7" name="Tijdelijke aanduiding voor datum 3"/>
           <p:cNvSpPr>
             <a:spLocks noGrp="1"/>
           </p:cNvSpPr>
@@ -1761,11 +1923,21 @@
         <p:spPr/>
         <p:txBody>
           <a:bodyPr/>
-          <a:lstStyle/>
-          <a:p>
-            <a:fld id="{90754F3E-D5A7-4398-A0BE-255ED5E2B5DC}" type="datetimeFigureOut">
-              <a:rPr lang="en-US" smtClean="0"/>
-              <a:t>9/1/2013</a:t>
+          <a:lstStyle>
+            <a:lvl1pPr>
+              <a:defRPr/>
+            </a:lvl1pPr>
+          </a:lstStyle>
+          <a:p>
+            <a:pPr>
+              <a:defRPr/>
+            </a:pPr>
+            <a:fld id="{1E21C285-9AB4-4F16-BAF6-71582CB1392F}" type="datetimeFigureOut">
+              <a:rPr lang="en-US"/>
+              <a:pPr>
+                <a:defRPr/>
+              </a:pPr>
+              <a:t>10/3/2013</a:t>
             </a:fld>
             <a:endParaRPr lang="en-US"/>
           </a:p>
@@ -1773,7 +1945,7 @@
       </p:sp>
       <p:sp>
         <p:nvSpPr>
-          <p:cNvPr id="8" name="Tijdelijke aanduiding voor voettekst 7"/>
+          <p:cNvPr id="8" name="Tijdelijke aanduiding voor voettekst 4"/>
           <p:cNvSpPr>
             <a:spLocks noGrp="1"/>
           </p:cNvSpPr>
@@ -1784,15 +1956,22 @@
         <p:spPr/>
         <p:txBody>
           <a:bodyPr/>
-          <a:lstStyle/>
-          <a:p>
-            <a:endParaRPr lang="en-US"/>
-          </a:p>
-        </p:txBody>
-      </p:sp>
-      <p:sp>
-        <p:nvSpPr>
-          <p:cNvPr id="9" name="Tijdelijke aanduiding voor dianummer 8"/>
+          <a:lstStyle>
+            <a:lvl1pPr>
+              <a:defRPr/>
+            </a:lvl1pPr>
+          </a:lstStyle>
+          <a:p>
+            <a:pPr>
+              <a:defRPr/>
+            </a:pPr>
+            <a:endParaRPr lang="en-US"/>
+          </a:p>
+        </p:txBody>
+      </p:sp>
+      <p:sp>
+        <p:nvSpPr>
+          <p:cNvPr id="9" name="Tijdelijke aanduiding voor dianummer 5"/>
           <p:cNvSpPr>
             <a:spLocks noGrp="1"/>
           </p:cNvSpPr>
@@ -1803,22 +1982,27 @@
         <p:spPr/>
         <p:txBody>
           <a:bodyPr/>
-          <a:lstStyle/>
-          <a:p>
-            <a:fld id="{8130E8C1-2229-426D-BBB2-01C95E35F197}" type="slidenum">
-              <a:rPr lang="en-US" smtClean="0"/>
-              <a:t>‹nr.›</a:t>
+          <a:lstStyle>
+            <a:lvl1pPr>
+              <a:defRPr/>
+            </a:lvl1pPr>
+          </a:lstStyle>
+          <a:p>
+            <a:pPr>
+              <a:defRPr/>
+            </a:pPr>
+            <a:fld id="{15915876-35B7-4230-93AC-3A5053F81126}" type="slidenum">
+              <a:rPr lang="en-US"/>
+              <a:pPr>
+                <a:defRPr/>
+              </a:pPr>
+              <a:t>‹#›</a:t>
             </a:fld>
             <a:endParaRPr lang="en-US"/>
           </a:p>
         </p:txBody>
       </p:sp>
     </p:spTree>
-    <p:extLst>
-      <p:ext uri="{BB962C8B-B14F-4D97-AF65-F5344CB8AC3E}">
-        <p14:creationId xmlns:p14="http://schemas.microsoft.com/office/powerpoint/2010/main" val="3870066360"/>
-      </p:ext>
-    </p:extLst>
   </p:cSld>
   <p:clrMapOvr>
     <a:masterClrMapping/>
@@ -1868,7 +2052,7 @@
       </p:sp>
       <p:sp>
         <p:nvSpPr>
-          <p:cNvPr id="3" name="Tijdelijke aanduiding voor datum 2"/>
+          <p:cNvPr id="3" name="Tijdelijke aanduiding voor datum 3"/>
           <p:cNvSpPr>
             <a:spLocks noGrp="1"/>
           </p:cNvSpPr>
@@ -1879,11 +2063,21 @@
         <p:spPr/>
         <p:txBody>
           <a:bodyPr/>
-          <a:lstStyle/>
-          <a:p>
-            <a:fld id="{90754F3E-D5A7-4398-A0BE-255ED5E2B5DC}" type="datetimeFigureOut">
-              <a:rPr lang="en-US" smtClean="0"/>
-              <a:t>9/1/2013</a:t>
+          <a:lstStyle>
+            <a:lvl1pPr>
+              <a:defRPr/>
+            </a:lvl1pPr>
+          </a:lstStyle>
+          <a:p>
+            <a:pPr>
+              <a:defRPr/>
+            </a:pPr>
+            <a:fld id="{344DD3B3-3911-47C5-91CE-D6BB68DA1018}" type="datetimeFigureOut">
+              <a:rPr lang="en-US"/>
+              <a:pPr>
+                <a:defRPr/>
+              </a:pPr>
+              <a:t>10/3/2013</a:t>
             </a:fld>
             <a:endParaRPr lang="en-US"/>
           </a:p>
@@ -1891,7 +2085,7 @@
       </p:sp>
       <p:sp>
         <p:nvSpPr>
-          <p:cNvPr id="4" name="Tijdelijke aanduiding voor voettekst 3"/>
+          <p:cNvPr id="4" name="Tijdelijke aanduiding voor voettekst 4"/>
           <p:cNvSpPr>
             <a:spLocks noGrp="1"/>
           </p:cNvSpPr>
@@ -1902,15 +2096,22 @@
         <p:spPr/>
         <p:txBody>
           <a:bodyPr/>
-          <a:lstStyle/>
-          <a:p>
-            <a:endParaRPr lang="en-US"/>
-          </a:p>
-        </p:txBody>
-      </p:sp>
-      <p:sp>
-        <p:nvSpPr>
-          <p:cNvPr id="5" name="Tijdelijke aanduiding voor dianummer 4"/>
+          <a:lstStyle>
+            <a:lvl1pPr>
+              <a:defRPr/>
+            </a:lvl1pPr>
+          </a:lstStyle>
+          <a:p>
+            <a:pPr>
+              <a:defRPr/>
+            </a:pPr>
+            <a:endParaRPr lang="en-US"/>
+          </a:p>
+        </p:txBody>
+      </p:sp>
+      <p:sp>
+        <p:nvSpPr>
+          <p:cNvPr id="5" name="Tijdelijke aanduiding voor dianummer 5"/>
           <p:cNvSpPr>
             <a:spLocks noGrp="1"/>
           </p:cNvSpPr>
@@ -1921,22 +2122,27 @@
         <p:spPr/>
         <p:txBody>
           <a:bodyPr/>
-          <a:lstStyle/>
-          <a:p>
-            <a:fld id="{8130E8C1-2229-426D-BBB2-01C95E35F197}" type="slidenum">
-              <a:rPr lang="en-US" smtClean="0"/>
-              <a:t>‹nr.›</a:t>
+          <a:lstStyle>
+            <a:lvl1pPr>
+              <a:defRPr/>
+            </a:lvl1pPr>
+          </a:lstStyle>
+          <a:p>
+            <a:pPr>
+              <a:defRPr/>
+            </a:pPr>
+            <a:fld id="{0408344A-2531-455C-B462-69D8A1C393AE}" type="slidenum">
+              <a:rPr lang="en-US"/>
+              <a:pPr>
+                <a:defRPr/>
+              </a:pPr>
+              <a:t>‹#›</a:t>
             </a:fld>
             <a:endParaRPr lang="en-US"/>
           </a:p>
         </p:txBody>
       </p:sp>
     </p:spTree>
-    <p:extLst>
-      <p:ext uri="{BB962C8B-B14F-4D97-AF65-F5344CB8AC3E}">
-        <p14:creationId xmlns:p14="http://schemas.microsoft.com/office/powerpoint/2010/main" val="865030375"/>
-      </p:ext>
-    </p:extLst>
   </p:cSld>
   <p:clrMapOvr>
     <a:masterClrMapping/>
@@ -1963,7 +2169,7 @@
       </p:grpSpPr>
       <p:sp>
         <p:nvSpPr>
-          <p:cNvPr id="2" name="Tijdelijke aanduiding voor datum 1"/>
+          <p:cNvPr id="2" name="Tijdelijke aanduiding voor datum 3"/>
           <p:cNvSpPr>
             <a:spLocks noGrp="1"/>
           </p:cNvSpPr>
@@ -1974,11 +2180,21 @@
         <p:spPr/>
         <p:txBody>
           <a:bodyPr/>
-          <a:lstStyle/>
-          <a:p>
-            <a:fld id="{90754F3E-D5A7-4398-A0BE-255ED5E2B5DC}" type="datetimeFigureOut">
-              <a:rPr lang="en-US" smtClean="0"/>
-              <a:t>9/1/2013</a:t>
+          <a:lstStyle>
+            <a:lvl1pPr>
+              <a:defRPr/>
+            </a:lvl1pPr>
+          </a:lstStyle>
+          <a:p>
+            <a:pPr>
+              <a:defRPr/>
+            </a:pPr>
+            <a:fld id="{208E4EE0-3ABD-4521-917C-C8D6E226A38A}" type="datetimeFigureOut">
+              <a:rPr lang="en-US"/>
+              <a:pPr>
+                <a:defRPr/>
+              </a:pPr>
+              <a:t>10/3/2013</a:t>
             </a:fld>
             <a:endParaRPr lang="en-US"/>
           </a:p>
@@ -1986,7 +2202,7 @@
       </p:sp>
       <p:sp>
         <p:nvSpPr>
-          <p:cNvPr id="3" name="Tijdelijke aanduiding voor voettekst 2"/>
+          <p:cNvPr id="3" name="Tijdelijke aanduiding voor voettekst 4"/>
           <p:cNvSpPr>
             <a:spLocks noGrp="1"/>
           </p:cNvSpPr>
@@ -1997,15 +2213,22 @@
         <p:spPr/>
         <p:txBody>
           <a:bodyPr/>
-          <a:lstStyle/>
-          <a:p>
-            <a:endParaRPr lang="en-US"/>
-          </a:p>
-        </p:txBody>
-      </p:sp>
-      <p:sp>
-        <p:nvSpPr>
-          <p:cNvPr id="4" name="Tijdelijke aanduiding voor dianummer 3"/>
+          <a:lstStyle>
+            <a:lvl1pPr>
+              <a:defRPr/>
+            </a:lvl1pPr>
+          </a:lstStyle>
+          <a:p>
+            <a:pPr>
+              <a:defRPr/>
+            </a:pPr>
+            <a:endParaRPr lang="en-US"/>
+          </a:p>
+        </p:txBody>
+      </p:sp>
+      <p:sp>
+        <p:nvSpPr>
+          <p:cNvPr id="4" name="Tijdelijke aanduiding voor dianummer 5"/>
           <p:cNvSpPr>
             <a:spLocks noGrp="1"/>
           </p:cNvSpPr>
@@ -2016,22 +2239,27 @@
         <p:spPr/>
         <p:txBody>
           <a:bodyPr/>
-          <a:lstStyle/>
-          <a:p>
-            <a:fld id="{8130E8C1-2229-426D-BBB2-01C95E35F197}" type="slidenum">
-              <a:rPr lang="en-US" smtClean="0"/>
-              <a:t>‹nr.›</a:t>
+          <a:lstStyle>
+            <a:lvl1pPr>
+              <a:defRPr/>
+            </a:lvl1pPr>
+          </a:lstStyle>
+          <a:p>
+            <a:pPr>
+              <a:defRPr/>
+            </a:pPr>
+            <a:fld id="{DE2D384D-CD53-4983-BFEE-87700799E111}" type="slidenum">
+              <a:rPr lang="en-US"/>
+              <a:pPr>
+                <a:defRPr/>
+              </a:pPr>
+              <a:t>‹#›</a:t>
             </a:fld>
             <a:endParaRPr lang="en-US"/>
           </a:p>
         </p:txBody>
       </p:sp>
     </p:spTree>
-    <p:extLst>
-      <p:ext uri="{BB962C8B-B14F-4D97-AF65-F5344CB8AC3E}">
-        <p14:creationId xmlns:p14="http://schemas.microsoft.com/office/powerpoint/2010/main" val="6120062"/>
-      </p:ext>
-    </p:extLst>
   </p:cSld>
   <p:clrMapOvr>
     <a:masterClrMapping/>
@@ -2240,7 +2468,7 @@
       </p:sp>
       <p:sp>
         <p:nvSpPr>
-          <p:cNvPr id="5" name="Tijdelijke aanduiding voor datum 4"/>
+          <p:cNvPr id="5" name="Tijdelijke aanduiding voor datum 3"/>
           <p:cNvSpPr>
             <a:spLocks noGrp="1"/>
           </p:cNvSpPr>
@@ -2251,11 +2479,21 @@
         <p:spPr/>
         <p:txBody>
           <a:bodyPr/>
-          <a:lstStyle/>
-          <a:p>
-            <a:fld id="{90754F3E-D5A7-4398-A0BE-255ED5E2B5DC}" type="datetimeFigureOut">
-              <a:rPr lang="en-US" smtClean="0"/>
-              <a:t>9/1/2013</a:t>
+          <a:lstStyle>
+            <a:lvl1pPr>
+              <a:defRPr/>
+            </a:lvl1pPr>
+          </a:lstStyle>
+          <a:p>
+            <a:pPr>
+              <a:defRPr/>
+            </a:pPr>
+            <a:fld id="{9097FDDC-12FE-4289-BB1C-BB94CA600784}" type="datetimeFigureOut">
+              <a:rPr lang="en-US"/>
+              <a:pPr>
+                <a:defRPr/>
+              </a:pPr>
+              <a:t>10/3/2013</a:t>
             </a:fld>
             <a:endParaRPr lang="en-US"/>
           </a:p>
@@ -2263,7 +2501,7 @@
       </p:sp>
       <p:sp>
         <p:nvSpPr>
-          <p:cNvPr id="6" name="Tijdelijke aanduiding voor voettekst 5"/>
+          <p:cNvPr id="6" name="Tijdelijke aanduiding voor voettekst 4"/>
           <p:cNvSpPr>
             <a:spLocks noGrp="1"/>
           </p:cNvSpPr>
@@ -2274,15 +2512,22 @@
         <p:spPr/>
         <p:txBody>
           <a:bodyPr/>
-          <a:lstStyle/>
-          <a:p>
-            <a:endParaRPr lang="en-US"/>
-          </a:p>
-        </p:txBody>
-      </p:sp>
-      <p:sp>
-        <p:nvSpPr>
-          <p:cNvPr id="7" name="Tijdelijke aanduiding voor dianummer 6"/>
+          <a:lstStyle>
+            <a:lvl1pPr>
+              <a:defRPr/>
+            </a:lvl1pPr>
+          </a:lstStyle>
+          <a:p>
+            <a:pPr>
+              <a:defRPr/>
+            </a:pPr>
+            <a:endParaRPr lang="en-US"/>
+          </a:p>
+        </p:txBody>
+      </p:sp>
+      <p:sp>
+        <p:nvSpPr>
+          <p:cNvPr id="7" name="Tijdelijke aanduiding voor dianummer 5"/>
           <p:cNvSpPr>
             <a:spLocks noGrp="1"/>
           </p:cNvSpPr>
@@ -2293,22 +2538,27 @@
         <p:spPr/>
         <p:txBody>
           <a:bodyPr/>
-          <a:lstStyle/>
-          <a:p>
-            <a:fld id="{8130E8C1-2229-426D-BBB2-01C95E35F197}" type="slidenum">
-              <a:rPr lang="en-US" smtClean="0"/>
-              <a:t>‹nr.›</a:t>
+          <a:lstStyle>
+            <a:lvl1pPr>
+              <a:defRPr/>
+            </a:lvl1pPr>
+          </a:lstStyle>
+          <a:p>
+            <a:pPr>
+              <a:defRPr/>
+            </a:pPr>
+            <a:fld id="{73198C26-B6EE-4AC6-9C10-0A402AD1E6ED}" type="slidenum">
+              <a:rPr lang="en-US"/>
+              <a:pPr>
+                <a:defRPr/>
+              </a:pPr>
+              <a:t>‹#›</a:t>
             </a:fld>
             <a:endParaRPr lang="en-US"/>
           </a:p>
         </p:txBody>
       </p:sp>
     </p:spTree>
-    <p:extLst>
-      <p:ext uri="{BB962C8B-B14F-4D97-AF65-F5344CB8AC3E}">
-        <p14:creationId xmlns:p14="http://schemas.microsoft.com/office/powerpoint/2010/main" val="3783833664"/>
-      </p:ext>
-    </p:extLst>
   </p:cSld>
   <p:clrMapOvr>
     <a:masterClrMapping/>
@@ -2382,7 +2632,9 @@
           </a:xfrm>
         </p:spPr>
         <p:txBody>
-          <a:bodyPr/>
+          <a:bodyPr rtlCol="0">
+            <a:normAutofit/>
+          </a:bodyPr>
           <a:lstStyle>
             <a:lvl1pPr marL="0" indent="0">
               <a:buNone/>
@@ -2422,7 +2674,8 @@
             </a:lvl9pPr>
           </a:lstStyle>
           <a:p>
-            <a:endParaRPr lang="en-US"/>
+            <a:pPr lvl="0"/>
+            <a:endParaRPr lang="en-US" noProof="0"/>
           </a:p>
         </p:txBody>
       </p:sp>
@@ -2493,7 +2746,7 @@
       </p:sp>
       <p:sp>
         <p:nvSpPr>
-          <p:cNvPr id="5" name="Tijdelijke aanduiding voor datum 4"/>
+          <p:cNvPr id="5" name="Tijdelijke aanduiding voor datum 3"/>
           <p:cNvSpPr>
             <a:spLocks noGrp="1"/>
           </p:cNvSpPr>
@@ -2504,11 +2757,21 @@
         <p:spPr/>
         <p:txBody>
           <a:bodyPr/>
-          <a:lstStyle/>
-          <a:p>
-            <a:fld id="{90754F3E-D5A7-4398-A0BE-255ED5E2B5DC}" type="datetimeFigureOut">
-              <a:rPr lang="en-US" smtClean="0"/>
-              <a:t>9/1/2013</a:t>
+          <a:lstStyle>
+            <a:lvl1pPr>
+              <a:defRPr/>
+            </a:lvl1pPr>
+          </a:lstStyle>
+          <a:p>
+            <a:pPr>
+              <a:defRPr/>
+            </a:pPr>
+            <a:fld id="{50013D8B-FCE2-4D3A-BAA5-9C6926BE8B18}" type="datetimeFigureOut">
+              <a:rPr lang="en-US"/>
+              <a:pPr>
+                <a:defRPr/>
+              </a:pPr>
+              <a:t>10/3/2013</a:t>
             </a:fld>
             <a:endParaRPr lang="en-US"/>
           </a:p>
@@ -2516,7 +2779,7 @@
       </p:sp>
       <p:sp>
         <p:nvSpPr>
-          <p:cNvPr id="6" name="Tijdelijke aanduiding voor voettekst 5"/>
+          <p:cNvPr id="6" name="Tijdelijke aanduiding voor voettekst 4"/>
           <p:cNvSpPr>
             <a:spLocks noGrp="1"/>
           </p:cNvSpPr>
@@ -2527,15 +2790,22 @@
         <p:spPr/>
         <p:txBody>
           <a:bodyPr/>
-          <a:lstStyle/>
-          <a:p>
-            <a:endParaRPr lang="en-US"/>
-          </a:p>
-        </p:txBody>
-      </p:sp>
-      <p:sp>
-        <p:nvSpPr>
-          <p:cNvPr id="7" name="Tijdelijke aanduiding voor dianummer 6"/>
+          <a:lstStyle>
+            <a:lvl1pPr>
+              <a:defRPr/>
+            </a:lvl1pPr>
+          </a:lstStyle>
+          <a:p>
+            <a:pPr>
+              <a:defRPr/>
+            </a:pPr>
+            <a:endParaRPr lang="en-US"/>
+          </a:p>
+        </p:txBody>
+      </p:sp>
+      <p:sp>
+        <p:nvSpPr>
+          <p:cNvPr id="7" name="Tijdelijke aanduiding voor dianummer 5"/>
           <p:cNvSpPr>
             <a:spLocks noGrp="1"/>
           </p:cNvSpPr>
@@ -2546,22 +2816,27 @@
         <p:spPr/>
         <p:txBody>
           <a:bodyPr/>
-          <a:lstStyle/>
-          <a:p>
-            <a:fld id="{8130E8C1-2229-426D-BBB2-01C95E35F197}" type="slidenum">
-              <a:rPr lang="en-US" smtClean="0"/>
-              <a:t>‹nr.›</a:t>
+          <a:lstStyle>
+            <a:lvl1pPr>
+              <a:defRPr/>
+            </a:lvl1pPr>
+          </a:lstStyle>
+          <a:p>
+            <a:pPr>
+              <a:defRPr/>
+            </a:pPr>
+            <a:fld id="{1215D49F-ECE2-4240-B280-8258CB58DAE2}" type="slidenum">
+              <a:rPr lang="en-US"/>
+              <a:pPr>
+                <a:defRPr/>
+              </a:pPr>
+              <a:t>‹#›</a:t>
             </a:fld>
             <a:endParaRPr lang="en-US"/>
           </a:p>
         </p:txBody>
       </p:sp>
     </p:spTree>
-    <p:extLst>
-      <p:ext uri="{BB962C8B-B14F-4D97-AF65-F5344CB8AC3E}">
-        <p14:creationId xmlns:p14="http://schemas.microsoft.com/office/powerpoint/2010/main" val="3608924580"/>
-      </p:ext>
-    </p:extLst>
   </p:cSld>
   <p:clrMapOvr>
     <a:masterClrMapping/>
@@ -2593,7 +2868,7 @@
       </p:grpSpPr>
       <p:sp>
         <p:nvSpPr>
-          <p:cNvPr id="2" name="Tijdelijke aanduiding voor titel 1"/>
+          <p:cNvPr id="1026" name="Tijdelijke aanduiding voor titel 1"/>
           <p:cNvSpPr>
             <a:spLocks noGrp="1"/>
           </p:cNvSpPr>
@@ -2601,7 +2876,7 @@
             <p:ph type="title"/>
           </p:nvPr>
         </p:nvSpPr>
-        <p:spPr>
+        <p:spPr bwMode="auto">
           <a:xfrm>
             <a:off x="457200" y="274638"/>
             <a:ext cx="8229600" cy="1143000"/>
@@ -2609,24 +2884,34 @@
           <a:prstGeom prst="rect">
             <a:avLst/>
           </a:prstGeom>
+          <a:noFill/>
+          <a:ln w="9525">
+            <a:noFill/>
+            <a:miter lim="800000"/>
+            <a:headEnd/>
+            <a:tailEnd/>
+          </a:ln>
         </p:spPr>
         <p:txBody>
-          <a:bodyPr vert="horz" lIns="91440" tIns="45720" rIns="91440" bIns="45720" rtlCol="0" anchor="ctr">
-            <a:normAutofit/>
+          <a:bodyPr vert="horz" wrap="square" lIns="91440" tIns="45720" rIns="91440" bIns="45720" numCol="1" anchor="ctr" anchorCtr="0" compatLnSpc="1">
+            <a:prstTxWarp prst="textNoShape">
+              <a:avLst/>
+            </a:prstTxWarp>
           </a:bodyPr>
           <a:lstStyle/>
           <a:p>
+            <a:pPr lvl="0"/>
             <a:r>
               <a:rPr lang="nl-NL" smtClean="0"/>
               <a:t>Klik om de stijl te bewerken</a:t>
             </a:r>
-            <a:endParaRPr lang="en-US"/>
-          </a:p>
-        </p:txBody>
-      </p:sp>
-      <p:sp>
-        <p:nvSpPr>
-          <p:cNvPr id="3" name="Tijdelijke aanduiding voor tekst 2"/>
+            <a:endParaRPr lang="en-US" smtClean="0"/>
+          </a:p>
+        </p:txBody>
+      </p:sp>
+      <p:sp>
+        <p:nvSpPr>
+          <p:cNvPr id="1027" name="Tijdelijke aanduiding voor tekst 2"/>
           <p:cNvSpPr>
             <a:spLocks noGrp="1"/>
           </p:cNvSpPr>
@@ -2634,7 +2919,7 @@
             <p:ph type="body" idx="1"/>
           </p:nvPr>
         </p:nvSpPr>
-        <p:spPr>
+        <p:spPr bwMode="auto">
           <a:xfrm>
             <a:off x="457200" y="1600200"/>
             <a:ext cx="8229600" cy="4525963"/>
@@ -2642,10 +2927,19 @@
           <a:prstGeom prst="rect">
             <a:avLst/>
           </a:prstGeom>
+          <a:noFill/>
+          <a:ln w="9525">
+            <a:noFill/>
+            <a:miter lim="800000"/>
+            <a:headEnd/>
+            <a:tailEnd/>
+          </a:ln>
         </p:spPr>
         <p:txBody>
-          <a:bodyPr vert="horz" lIns="91440" tIns="45720" rIns="91440" bIns="45720" rtlCol="0">
-            <a:normAutofit/>
+          <a:bodyPr vert="horz" wrap="square" lIns="91440" tIns="45720" rIns="91440" bIns="45720" numCol="1" anchor="t" anchorCtr="0" compatLnSpc="1">
+            <a:prstTxWarp prst="textNoShape">
+              <a:avLst/>
+            </a:prstTxWarp>
           </a:bodyPr>
           <a:lstStyle/>
           <a:p>
@@ -2682,7 +2976,7 @@
               <a:rPr lang="nl-NL" smtClean="0"/>
               <a:t>Vijfde niveau</a:t>
             </a:r>
-            <a:endParaRPr lang="en-US"/>
+            <a:endParaRPr lang="en-US" smtClean="0"/>
           </a:p>
         </p:txBody>
       </p:sp>
@@ -2708,20 +3002,34 @@
         <p:txBody>
           <a:bodyPr vert="horz" lIns="91440" tIns="45720" rIns="91440" bIns="45720" rtlCol="0" anchor="ctr"/>
           <a:lstStyle>
-            <a:lvl1pPr algn="l">
-              <a:defRPr sz="1200">
+            <a:lvl1pPr algn="l" fontAlgn="auto">
+              <a:spcBef>
+                <a:spcPts val="0"/>
+              </a:spcBef>
+              <a:spcAft>
+                <a:spcPts val="0"/>
+              </a:spcAft>
+              <a:defRPr sz="1200" smtClean="0">
                 <a:solidFill>
                   <a:schemeClr val="tx1">
                     <a:tint val="75000"/>
                   </a:schemeClr>
                 </a:solidFill>
+                <a:latin typeface="+mn-lt"/>
+                <a:cs typeface="+mn-cs"/>
               </a:defRPr>
             </a:lvl1pPr>
           </a:lstStyle>
           <a:p>
-            <a:fld id="{90754F3E-D5A7-4398-A0BE-255ED5E2B5DC}" type="datetimeFigureOut">
-              <a:rPr lang="en-US" smtClean="0"/>
-              <a:t>9/1/2013</a:t>
+            <a:pPr>
+              <a:defRPr/>
+            </a:pPr>
+            <a:fld id="{75AA1E24-3E18-401D-8F70-3AFB786799DE}" type="datetimeFigureOut">
+              <a:rPr lang="en-US"/>
+              <a:pPr>
+                <a:defRPr/>
+              </a:pPr>
+              <a:t>10/3/2013</a:t>
             </a:fld>
             <a:endParaRPr lang="en-US"/>
           </a:p>
@@ -2749,17 +3057,28 @@
         <p:txBody>
           <a:bodyPr vert="horz" lIns="91440" tIns="45720" rIns="91440" bIns="45720" rtlCol="0" anchor="ctr"/>
           <a:lstStyle>
-            <a:lvl1pPr algn="ctr">
+            <a:lvl1pPr algn="ctr" fontAlgn="auto">
+              <a:spcBef>
+                <a:spcPts val="0"/>
+              </a:spcBef>
+              <a:spcAft>
+                <a:spcPts val="0"/>
+              </a:spcAft>
               <a:defRPr sz="1200">
                 <a:solidFill>
                   <a:schemeClr val="tx1">
                     <a:tint val="75000"/>
                   </a:schemeClr>
                 </a:solidFill>
+                <a:latin typeface="+mn-lt"/>
+                <a:cs typeface="+mn-cs"/>
               </a:defRPr>
             </a:lvl1pPr>
           </a:lstStyle>
           <a:p>
+            <a:pPr>
+              <a:defRPr/>
+            </a:pPr>
             <a:endParaRPr lang="en-US"/>
           </a:p>
         </p:txBody>
@@ -2786,53 +3105,65 @@
         <p:txBody>
           <a:bodyPr vert="horz" lIns="91440" tIns="45720" rIns="91440" bIns="45720" rtlCol="0" anchor="ctr"/>
           <a:lstStyle>
-            <a:lvl1pPr algn="r">
-              <a:defRPr sz="1200">
+            <a:lvl1pPr algn="r" fontAlgn="auto">
+              <a:spcBef>
+                <a:spcPts val="0"/>
+              </a:spcBef>
+              <a:spcAft>
+                <a:spcPts val="0"/>
+              </a:spcAft>
+              <a:defRPr sz="1200" smtClean="0">
                 <a:solidFill>
                   <a:schemeClr val="tx1">
                     <a:tint val="75000"/>
                   </a:schemeClr>
                 </a:solidFill>
+                <a:latin typeface="+mn-lt"/>
+                <a:cs typeface="+mn-cs"/>
               </a:defRPr>
             </a:lvl1pPr>
           </a:lstStyle>
           <a:p>
-            <a:fld id="{8130E8C1-2229-426D-BBB2-01C95E35F197}" type="slidenum">
-              <a:rPr lang="en-US" smtClean="0"/>
-              <a:t>‹nr.›</a:t>
+            <a:pPr>
+              <a:defRPr/>
+            </a:pPr>
+            <a:fld id="{CBACF1E4-A24F-4D08-B9FA-3E294C731639}" type="slidenum">
+              <a:rPr lang="en-US"/>
+              <a:pPr>
+                <a:defRPr/>
+              </a:pPr>
+              <a:t>‹#›</a:t>
             </a:fld>
             <a:endParaRPr lang="en-US"/>
           </a:p>
         </p:txBody>
       </p:sp>
     </p:spTree>
-    <p:extLst>
-      <p:ext uri="{BB962C8B-B14F-4D97-AF65-F5344CB8AC3E}">
-        <p14:creationId xmlns:p14="http://schemas.microsoft.com/office/powerpoint/2010/main" val="2232598833"/>
-      </p:ext>
-    </p:extLst>
   </p:cSld>
   <p:clrMap bg1="lt1" tx1="dk1" bg2="lt2" tx2="dk2" accent1="accent1" accent2="accent2" accent3="accent3" accent4="accent4" accent5="accent5" accent6="accent6" hlink="hlink" folHlink="folHlink"/>
   <p:sldLayoutIdLst>
-    <p:sldLayoutId id="2147483649" r:id="rId1"/>
-    <p:sldLayoutId id="2147483650" r:id="rId2"/>
-    <p:sldLayoutId id="2147483651" r:id="rId3"/>
-    <p:sldLayoutId id="2147483652" r:id="rId4"/>
-    <p:sldLayoutId id="2147483653" r:id="rId5"/>
+    <p:sldLayoutId id="2147483659" r:id="rId1"/>
+    <p:sldLayoutId id="2147483658" r:id="rId2"/>
+    <p:sldLayoutId id="2147483657" r:id="rId3"/>
+    <p:sldLayoutId id="2147483656" r:id="rId4"/>
+    <p:sldLayoutId id="2147483655" r:id="rId5"/>
     <p:sldLayoutId id="2147483654" r:id="rId6"/>
-    <p:sldLayoutId id="2147483655" r:id="rId7"/>
-    <p:sldLayoutId id="2147483656" r:id="rId8"/>
-    <p:sldLayoutId id="2147483657" r:id="rId9"/>
-    <p:sldLayoutId id="2147483658" r:id="rId10"/>
-    <p:sldLayoutId id="2147483659" r:id="rId11"/>
+    <p:sldLayoutId id="2147483653" r:id="rId7"/>
+    <p:sldLayoutId id="2147483652" r:id="rId8"/>
+    <p:sldLayoutId id="2147483651" r:id="rId9"/>
+    <p:sldLayoutId id="2147483650" r:id="rId10"/>
+    <p:sldLayoutId id="2147483649" r:id="rId11"/>
   </p:sldLayoutIdLst>
+  <p:transition advTm="15000"/>
   <p:txStyles>
     <p:titleStyle>
-      <a:lvl1pPr algn="ctr" defTabSz="914400" rtl="0" eaLnBrk="1" latinLnBrk="0" hangingPunct="1">
+      <a:lvl1pPr algn="ctr" rtl="0" fontAlgn="base">
         <a:spcBef>
           <a:spcPct val="0"/>
         </a:spcBef>
-        <a:buNone/>
+        <a:spcAft>
+          <a:spcPct val="0"/>
+        </a:spcAft>
         <a:defRPr sz="4400" kern="1200">
           <a:solidFill>
             <a:schemeClr val="tx1"/>
@@ -2842,13 +3173,128 @@
           <a:cs typeface="+mj-cs"/>
         </a:defRPr>
       </a:lvl1pPr>
+      <a:lvl2pPr algn="ctr" rtl="0" fontAlgn="base">
+        <a:spcBef>
+          <a:spcPct val="0"/>
+        </a:spcBef>
+        <a:spcAft>
+          <a:spcPct val="0"/>
+        </a:spcAft>
+        <a:defRPr sz="4400">
+          <a:solidFill>
+            <a:schemeClr val="tx1"/>
+          </a:solidFill>
+          <a:latin typeface="Calibri" pitchFamily="34" charset="0"/>
+        </a:defRPr>
+      </a:lvl2pPr>
+      <a:lvl3pPr algn="ctr" rtl="0" fontAlgn="base">
+        <a:spcBef>
+          <a:spcPct val="0"/>
+        </a:spcBef>
+        <a:spcAft>
+          <a:spcPct val="0"/>
+        </a:spcAft>
+        <a:defRPr sz="4400">
+          <a:solidFill>
+            <a:schemeClr val="tx1"/>
+          </a:solidFill>
+          <a:latin typeface="Calibri" pitchFamily="34" charset="0"/>
+        </a:defRPr>
+      </a:lvl3pPr>
+      <a:lvl4pPr algn="ctr" rtl="0" fontAlgn="base">
+        <a:spcBef>
+          <a:spcPct val="0"/>
+        </a:spcBef>
+        <a:spcAft>
+          <a:spcPct val="0"/>
+        </a:spcAft>
+        <a:defRPr sz="4400">
+          <a:solidFill>
+            <a:schemeClr val="tx1"/>
+          </a:solidFill>
+          <a:latin typeface="Calibri" pitchFamily="34" charset="0"/>
+        </a:defRPr>
+      </a:lvl4pPr>
+      <a:lvl5pPr algn="ctr" rtl="0" fontAlgn="base">
+        <a:spcBef>
+          <a:spcPct val="0"/>
+        </a:spcBef>
+        <a:spcAft>
+          <a:spcPct val="0"/>
+        </a:spcAft>
+        <a:defRPr sz="4400">
+          <a:solidFill>
+            <a:schemeClr val="tx1"/>
+          </a:solidFill>
+          <a:latin typeface="Calibri" pitchFamily="34" charset="0"/>
+        </a:defRPr>
+      </a:lvl5pPr>
+      <a:lvl6pPr marL="457200" algn="ctr" rtl="0" fontAlgn="base">
+        <a:spcBef>
+          <a:spcPct val="0"/>
+        </a:spcBef>
+        <a:spcAft>
+          <a:spcPct val="0"/>
+        </a:spcAft>
+        <a:defRPr sz="4400">
+          <a:solidFill>
+            <a:schemeClr val="tx1"/>
+          </a:solidFill>
+          <a:latin typeface="Calibri" pitchFamily="34" charset="0"/>
+        </a:defRPr>
+      </a:lvl6pPr>
+      <a:lvl7pPr marL="914400" algn="ctr" rtl="0" fontAlgn="base">
+        <a:spcBef>
+          <a:spcPct val="0"/>
+        </a:spcBef>
+        <a:spcAft>
+          <a:spcPct val="0"/>
+        </a:spcAft>
+        <a:defRPr sz="4400">
+          <a:solidFill>
+            <a:schemeClr val="tx1"/>
+          </a:solidFill>
+          <a:latin typeface="Calibri" pitchFamily="34" charset="0"/>
+        </a:defRPr>
+      </a:lvl7pPr>
+      <a:lvl8pPr marL="1371600" algn="ctr" rtl="0" fontAlgn="base">
+        <a:spcBef>
+          <a:spcPct val="0"/>
+        </a:spcBef>
+        <a:spcAft>
+          <a:spcPct val="0"/>
+        </a:spcAft>
+        <a:defRPr sz="4400">
+          <a:solidFill>
+            <a:schemeClr val="tx1"/>
+          </a:solidFill>
+          <a:latin typeface="Calibri" pitchFamily="34" charset="0"/>
+        </a:defRPr>
+      </a:lvl8pPr>
+      <a:lvl9pPr marL="1828800" algn="ctr" rtl="0" fontAlgn="base">
+        <a:spcBef>
+          <a:spcPct val="0"/>
+        </a:spcBef>
+        <a:spcAft>
+          <a:spcPct val="0"/>
+        </a:spcAft>
+        <a:defRPr sz="4400">
+          <a:solidFill>
+            <a:schemeClr val="tx1"/>
+          </a:solidFill>
+          <a:latin typeface="Calibri" pitchFamily="34" charset="0"/>
+        </a:defRPr>
+      </a:lvl9pPr>
     </p:titleStyle>
     <p:bodyStyle>
-      <a:lvl1pPr marL="342900" indent="-342900" algn="l" defTabSz="914400" rtl="0" eaLnBrk="1" latinLnBrk="0" hangingPunct="1">
+      <a:lvl1pPr marL="342900" indent="-342900" algn="l" rtl="0" fontAlgn="base">
         <a:spcBef>
           <a:spcPct val="20000"/>
         </a:spcBef>
-        <a:buFont typeface="Arial" pitchFamily="34" charset="0"/>
+        <a:spcAft>
+          <a:spcPct val="0"/>
+        </a:spcAft>
+        <a:buFont typeface="Arial" charset="0"/>
         <a:buChar char="•"/>
         <a:defRPr sz="3200" kern="1200">
           <a:solidFill>
@@ -2859,11 +3305,14 @@
           <a:cs typeface="+mn-cs"/>
         </a:defRPr>
       </a:lvl1pPr>
-      <a:lvl2pPr marL="742950" indent="-285750" algn="l" defTabSz="914400" rtl="0" eaLnBrk="1" latinLnBrk="0" hangingPunct="1">
+      <a:lvl2pPr marL="742950" indent="-285750" algn="l" rtl="0" fontAlgn="base">
         <a:spcBef>
           <a:spcPct val="20000"/>
         </a:spcBef>
-        <a:buFont typeface="Arial" pitchFamily="34" charset="0"/>
+        <a:spcAft>
+          <a:spcPct val="0"/>
+        </a:spcAft>
+        <a:buFont typeface="Arial" charset="0"/>
         <a:buChar char="–"/>
         <a:defRPr sz="2800" kern="1200">
           <a:solidFill>
@@ -2874,11 +3323,14 @@
           <a:cs typeface="+mn-cs"/>
         </a:defRPr>
       </a:lvl2pPr>
-      <a:lvl3pPr marL="1143000" indent="-228600" algn="l" defTabSz="914400" rtl="0" eaLnBrk="1" latinLnBrk="0" hangingPunct="1">
+      <a:lvl3pPr marL="1143000" indent="-228600" algn="l" rtl="0" fontAlgn="base">
         <a:spcBef>
           <a:spcPct val="20000"/>
         </a:spcBef>
-        <a:buFont typeface="Arial" pitchFamily="34" charset="0"/>
+        <a:spcAft>
+          <a:spcPct val="0"/>
+        </a:spcAft>
+        <a:buFont typeface="Arial" charset="0"/>
         <a:buChar char="•"/>
         <a:defRPr sz="2400" kern="1200">
           <a:solidFill>
@@ -2889,11 +3341,14 @@
           <a:cs typeface="+mn-cs"/>
         </a:defRPr>
       </a:lvl3pPr>
-      <a:lvl4pPr marL="1600200" indent="-228600" algn="l" defTabSz="914400" rtl="0" eaLnBrk="1" latinLnBrk="0" hangingPunct="1">
+      <a:lvl4pPr marL="1600200" indent="-228600" algn="l" rtl="0" fontAlgn="base">
         <a:spcBef>
           <a:spcPct val="20000"/>
         </a:spcBef>
-        <a:buFont typeface="Arial" pitchFamily="34" charset="0"/>
+        <a:spcAft>
+          <a:spcPct val="0"/>
+        </a:spcAft>
+        <a:buFont typeface="Arial" charset="0"/>
         <a:buChar char="–"/>
         <a:defRPr sz="2000" kern="1200">
           <a:solidFill>
@@ -2904,11 +3359,14 @@
           <a:cs typeface="+mn-cs"/>
         </a:defRPr>
       </a:lvl4pPr>
-      <a:lvl5pPr marL="2057400" indent="-228600" algn="l" defTabSz="914400" rtl="0" eaLnBrk="1" latinLnBrk="0" hangingPunct="1">
+      <a:lvl5pPr marL="2057400" indent="-228600" algn="l" rtl="0" fontAlgn="base">
         <a:spcBef>
           <a:spcPct val="20000"/>
         </a:spcBef>
-        <a:buFont typeface="Arial" pitchFamily="34" charset="0"/>
+        <a:spcAft>
+          <a:spcPct val="0"/>
+        </a:spcAft>
+        <a:buFont typeface="Arial" charset="0"/>
         <a:buChar char="»"/>
         <a:defRPr sz="2000" kern="1200">
           <a:solidFill>
@@ -3098,20 +3556,14 @@
       </p:grpSpPr>
       <p:pic>
         <p:nvPicPr>
-          <p:cNvPr id="1026" name="Picture 2" descr="D:\tijn\rdevel\hierCols\plots\sbi_F.png"/>
+          <p:cNvPr id="13313" name="Picture 2" descr="D:\tijn\rdevel\hierCols\plots\sbi_F.png"/>
           <p:cNvPicPr>
             <a:picLocks noChangeAspect="1" noChangeArrowheads="1"/>
           </p:cNvPicPr>
           <p:nvPr/>
         </p:nvPicPr>
         <p:blipFill>
-          <a:blip r:embed="rId2" cstate="print">
-            <a:extLst>
-              <a:ext uri="{28A0092B-C50C-407E-A947-70E740481C1C}">
-                <a14:useLocalDpi xmlns:a14="http://schemas.microsoft.com/office/drawing/2010/main" val="0"/>
-              </a:ext>
-            </a:extLst>
-          </a:blip>
+          <a:blip r:embed="rId2"/>
           <a:srcRect/>
           <a:stretch>
             <a:fillRect/>
@@ -3119,34 +3571,157 @@
         </p:blipFill>
         <p:spPr bwMode="auto">
           <a:xfrm>
-            <a:off x="3886200" y="1115536"/>
+            <a:off x="3886200" y="1116013"/>
             <a:ext cx="5105400" cy="5105400"/>
           </a:xfrm>
           <a:prstGeom prst="rect">
             <a:avLst/>
           </a:prstGeom>
           <a:noFill/>
-          <a:extLst>
-            <a:ext uri="{909E8E84-426E-40DD-AFC4-6F175D3DCCD1}">
-              <a14:hiddenFill xmlns:a14="http://schemas.microsoft.com/office/drawing/2010/main">
-                <a:solidFill>
-                  <a:srgbClr val="FFFFFF"/>
-                </a:solidFill>
-              </a14:hiddenFill>
-            </a:ext>
-          </a:extLst>
+          <a:ln w="9525">
+            <a:noFill/>
+            <a:miter lim="800000"/>
+            <a:headEnd/>
+            <a:tailEnd/>
+          </a:ln>
         </p:spPr>
       </p:pic>
       <p:sp>
         <p:nvSpPr>
-          <p:cNvPr id="5" name="Tekstvak 4"/>
+          <p:cNvPr id="13314" name="Tekstvak 4"/>
+          <p:cNvSpPr txBox="1">
+            <a:spLocks noChangeArrowheads="1"/>
+          </p:cNvSpPr>
+          <p:nvPr/>
+        </p:nvSpPr>
+        <p:spPr bwMode="auto">
+          <a:xfrm>
+            <a:off x="508000" y="381000"/>
+            <a:ext cx="5588000" cy="523875"/>
+          </a:xfrm>
+          <a:prstGeom prst="rect">
+            <a:avLst/>
+          </a:prstGeom>
+          <a:noFill/>
+          <a:ln w="9525">
+            <a:noFill/>
+            <a:miter lim="800000"/>
+            <a:headEnd/>
+            <a:tailEnd/>
+          </a:ln>
+        </p:spPr>
+        <p:txBody>
+          <a:bodyPr wrap="none">
+            <a:spAutoFit/>
+          </a:bodyPr>
+          <a:lstStyle/>
+          <a:p>
+            <a:r>
+              <a:rPr lang="en-US" sz="2800">
+                <a:solidFill>
+                  <a:schemeClr val="tx2"/>
+                </a:solidFill>
+                <a:latin typeface="Calibri" pitchFamily="34" charset="0"/>
+              </a:rPr>
+              <a:t>Hierarchical qualitative color palettes</a:t>
+            </a:r>
+          </a:p>
+        </p:txBody>
+      </p:sp>
+      <p:sp>
+        <p:nvSpPr>
+          <p:cNvPr id="13315" name="Tekstvak 5"/>
+          <p:cNvSpPr txBox="1">
+            <a:spLocks noChangeArrowheads="1"/>
+          </p:cNvSpPr>
+          <p:nvPr/>
+        </p:nvSpPr>
+        <p:spPr bwMode="auto">
+          <a:xfrm>
+            <a:off x="533400" y="1116013"/>
+            <a:ext cx="3713163" cy="368300"/>
+          </a:xfrm>
+          <a:prstGeom prst="rect">
+            <a:avLst/>
+          </a:prstGeom>
+          <a:noFill/>
+          <a:ln w="9525">
+            <a:noFill/>
+            <a:miter lim="800000"/>
+            <a:headEnd/>
+            <a:tailEnd/>
+          </a:ln>
+        </p:spPr>
+        <p:txBody>
+          <a:bodyPr wrap="none">
+            <a:spAutoFit/>
+          </a:bodyPr>
+          <a:lstStyle/>
+          <a:p>
+            <a:r>
+              <a:rPr lang="en-US">
+                <a:solidFill>
+                  <a:schemeClr val="tx2"/>
+                </a:solidFill>
+                <a:latin typeface="Calibri" pitchFamily="34" charset="0"/>
+              </a:rPr>
+              <a:t>Martijn Tennekes and Edwin de Jonge</a:t>
+            </a:r>
+          </a:p>
+        </p:txBody>
+      </p:sp>
+      <p:sp>
+        <p:nvSpPr>
+          <p:cNvPr id="13316" name="Tekstvak 6"/>
+          <p:cNvSpPr txBox="1">
+            <a:spLocks noChangeArrowheads="1"/>
+          </p:cNvSpPr>
+          <p:nvPr/>
+        </p:nvSpPr>
+        <p:spPr bwMode="auto">
+          <a:xfrm>
+            <a:off x="533400" y="1458913"/>
+            <a:ext cx="2763838" cy="369887"/>
+          </a:xfrm>
+          <a:prstGeom prst="rect">
+            <a:avLst/>
+          </a:prstGeom>
+          <a:noFill/>
+          <a:ln w="9525">
+            <a:noFill/>
+            <a:miter lim="800000"/>
+            <a:headEnd/>
+            <a:tailEnd/>
+          </a:ln>
+        </p:spPr>
+        <p:txBody>
+          <a:bodyPr wrap="none">
+            <a:spAutoFit/>
+          </a:bodyPr>
+          <a:lstStyle/>
+          <a:p>
+            <a:r>
+              <a:rPr lang="en-US">
+                <a:solidFill>
+                  <a:schemeClr val="tx2"/>
+                </a:solidFill>
+                <a:latin typeface="Calibri" pitchFamily="34" charset="0"/>
+              </a:rPr>
+              <a:t>Statistics Netherlands (CBS)</a:t>
+            </a:r>
+          </a:p>
+        </p:txBody>
+      </p:sp>
+      <p:sp>
+        <p:nvSpPr>
+          <p:cNvPr id="8" name="Tekstvak 7"/>
           <p:cNvSpPr txBox="1"/>
           <p:nvPr/>
         </p:nvSpPr>
         <p:spPr>
           <a:xfrm>
-            <a:off x="508124" y="381000"/>
-            <a:ext cx="5587876" cy="523220"/>
+            <a:off x="457200" y="5064125"/>
+            <a:ext cx="3722688" cy="1108075"/>
           </a:xfrm>
           <a:prstGeom prst="rect">
             <a:avLst/>
@@ -3154,339 +3729,276 @@
           <a:noFill/>
         </p:spPr>
         <p:txBody>
-          <a:bodyPr wrap="none" rtlCol="0">
+          <a:bodyPr wrap="none">
             <a:spAutoFit/>
           </a:bodyPr>
           <a:lstStyle/>
           <a:p>
-            <a:r>
-              <a:rPr lang="en-US" sz="2800" dirty="0" smtClean="0">
-                <a:solidFill>
-                  <a:schemeClr val="tx2"/>
-                </a:solidFill>
+            <a:pPr fontAlgn="auto">
+              <a:spcBef>
+                <a:spcPts val="0"/>
+              </a:spcBef>
+              <a:spcAft>
+                <a:spcPts val="0"/>
+              </a:spcAft>
+              <a:defRPr/>
+            </a:pPr>
+            <a:r>
+              <a:rPr lang="en-US" sz="1600" dirty="0">
+                <a:latin typeface="+mn-lt"/>
+                <a:cs typeface="+mn-cs"/>
               </a:rPr>
-              <a:t>Hierarchical qualitative color palettes</a:t>
-            </a:r>
-            <a:endParaRPr lang="en-US" sz="2800" dirty="0">
-              <a:solidFill>
-                <a:schemeClr val="tx2"/>
-              </a:solidFill>
-            </a:endParaRPr>
-          </a:p>
-        </p:txBody>
-      </p:sp>
-      <p:sp>
-        <p:nvSpPr>
-          <p:cNvPr id="6" name="Tekstvak 5"/>
-          <p:cNvSpPr txBox="1"/>
-          <p:nvPr/>
-        </p:nvSpPr>
-        <p:spPr>
-          <a:xfrm>
-            <a:off x="533400" y="1115536"/>
-            <a:ext cx="3713261" cy="369332"/>
-          </a:xfrm>
-          <a:prstGeom prst="rect">
-            <a:avLst/>
-          </a:prstGeom>
-          <a:noFill/>
-        </p:spPr>
-        <p:txBody>
-          <a:bodyPr wrap="none" rtlCol="0">
-            <a:spAutoFit/>
-          </a:bodyPr>
-          <a:lstStyle/>
-          <a:p>
-            <a:r>
-              <a:rPr lang="en-US" dirty="0" err="1" smtClean="0">
-                <a:solidFill>
-                  <a:schemeClr val="tx2"/>
-                </a:solidFill>
-              </a:rPr>
-              <a:t>Martijn</a:t>
-            </a:r>
-            <a:r>
-              <a:rPr lang="en-US" dirty="0" smtClean="0">
-                <a:solidFill>
-                  <a:schemeClr val="tx2"/>
-                </a:solidFill>
-              </a:rPr>
-              <a:t> </a:t>
-            </a:r>
-            <a:r>
-              <a:rPr lang="en-US" dirty="0" err="1" smtClean="0">
-                <a:solidFill>
-                  <a:schemeClr val="tx2"/>
-                </a:solidFill>
-              </a:rPr>
-              <a:t>Tennekes</a:t>
-            </a:r>
-            <a:r>
-              <a:rPr lang="en-US" dirty="0" smtClean="0">
-                <a:solidFill>
-                  <a:schemeClr val="tx2"/>
-                </a:solidFill>
-              </a:rPr>
-              <a:t> and Edwin de </a:t>
-            </a:r>
-            <a:r>
-              <a:rPr lang="en-US" dirty="0" err="1" smtClean="0">
-                <a:solidFill>
-                  <a:schemeClr val="tx2"/>
-                </a:solidFill>
-              </a:rPr>
-              <a:t>Jonge</a:t>
-            </a:r>
-            <a:endParaRPr lang="en-US" dirty="0">
-              <a:solidFill>
-                <a:schemeClr val="tx2"/>
-              </a:solidFill>
-            </a:endParaRPr>
-          </a:p>
-        </p:txBody>
-      </p:sp>
-      <p:sp>
-        <p:nvSpPr>
-          <p:cNvPr id="7" name="Tekstvak 6"/>
-          <p:cNvSpPr txBox="1"/>
-          <p:nvPr/>
-        </p:nvSpPr>
-        <p:spPr>
-          <a:xfrm>
-            <a:off x="533400" y="1459468"/>
-            <a:ext cx="2763192" cy="369332"/>
-          </a:xfrm>
-          <a:prstGeom prst="rect">
-            <a:avLst/>
-          </a:prstGeom>
-          <a:noFill/>
-        </p:spPr>
-        <p:txBody>
-          <a:bodyPr wrap="none" rtlCol="0">
-            <a:spAutoFit/>
-          </a:bodyPr>
-          <a:lstStyle/>
-          <a:p>
-            <a:r>
-              <a:rPr lang="en-US" dirty="0" smtClean="0">
-                <a:solidFill>
-                  <a:schemeClr val="tx2"/>
-                </a:solidFill>
-              </a:rPr>
-              <a:t>Statistics Netherlands (CBS)</a:t>
-            </a:r>
-            <a:endParaRPr lang="en-US" dirty="0">
-              <a:solidFill>
-                <a:schemeClr val="tx2"/>
-              </a:solidFill>
-            </a:endParaRPr>
-          </a:p>
-        </p:txBody>
-      </p:sp>
-      <p:sp>
-        <p:nvSpPr>
-          <p:cNvPr id="8" name="Tekstvak 7"/>
-          <p:cNvSpPr txBox="1"/>
-          <p:nvPr/>
-        </p:nvSpPr>
-        <p:spPr>
-          <a:xfrm>
-            <a:off x="457200" y="5064204"/>
-            <a:ext cx="3722237" cy="1107996"/>
-          </a:xfrm>
-          <a:prstGeom prst="rect">
-            <a:avLst/>
-          </a:prstGeom>
-          <a:noFill/>
-        </p:spPr>
-        <p:txBody>
-          <a:bodyPr wrap="none" rtlCol="0">
-            <a:spAutoFit/>
-          </a:bodyPr>
-          <a:lstStyle/>
-          <a:p>
-            <a:r>
-              <a:rPr lang="en-US" sz="1600" dirty="0" smtClean="0"/>
               <a:t>Used color space: </a:t>
             </a:r>
             <a:r>
-              <a:rPr lang="en-US" sz="1600" b="1" dirty="0" smtClean="0">
+              <a:rPr lang="en-US" sz="1600" b="1" dirty="0">
                 <a:solidFill>
                   <a:schemeClr val="accent6">
                     <a:lumMod val="75000"/>
                   </a:schemeClr>
                 </a:solidFill>
+                <a:latin typeface="+mn-lt"/>
+                <a:cs typeface="+mn-cs"/>
               </a:rPr>
               <a:t>H</a:t>
             </a:r>
             <a:r>
-              <a:rPr lang="en-US" sz="1600" dirty="0" smtClean="0">
+              <a:rPr lang="en-US" sz="1600" dirty="0">
                 <a:solidFill>
                   <a:srgbClr val="00B050"/>
                 </a:solidFill>
+                <a:latin typeface="+mn-lt"/>
+                <a:cs typeface="+mn-cs"/>
               </a:rPr>
               <a:t>u</a:t>
             </a:r>
             <a:r>
-              <a:rPr lang="en-US" sz="1600" dirty="0" smtClean="0">
+              <a:rPr lang="en-US" sz="1600" dirty="0">
                 <a:solidFill>
                   <a:srgbClr val="7030A0"/>
                 </a:solidFill>
+                <a:latin typeface="+mn-lt"/>
+                <a:cs typeface="+mn-cs"/>
               </a:rPr>
               <a:t>e</a:t>
             </a:r>
             <a:r>
-              <a:rPr lang="en-US" sz="1600" dirty="0" smtClean="0"/>
+              <a:rPr lang="en-US" sz="1600" dirty="0">
+                <a:latin typeface="+mn-lt"/>
+                <a:cs typeface="+mn-cs"/>
+              </a:rPr>
               <a:t>-</a:t>
             </a:r>
             <a:r>
-              <a:rPr lang="en-US" sz="1600" b="1" dirty="0" smtClean="0">
+              <a:rPr lang="en-US" sz="1600" b="1" dirty="0">
                 <a:solidFill>
                   <a:srgbClr val="547274"/>
                 </a:solidFill>
+                <a:latin typeface="+mn-lt"/>
+                <a:cs typeface="+mn-cs"/>
               </a:rPr>
               <a:t>C</a:t>
             </a:r>
             <a:r>
-              <a:rPr lang="en-US" sz="1600" dirty="0" smtClean="0">
+              <a:rPr lang="en-US" sz="1600" dirty="0">
                 <a:solidFill>
                   <a:srgbClr val="457983"/>
                 </a:solidFill>
+                <a:latin typeface="+mn-lt"/>
+                <a:cs typeface="+mn-cs"/>
               </a:rPr>
               <a:t>h</a:t>
             </a:r>
             <a:r>
-              <a:rPr lang="en-US" sz="1600" dirty="0" smtClean="0">
+              <a:rPr lang="en-US" sz="1600" dirty="0">
                 <a:solidFill>
                   <a:srgbClr val="358393"/>
                 </a:solidFill>
+                <a:latin typeface="+mn-lt"/>
+                <a:cs typeface="+mn-cs"/>
               </a:rPr>
               <a:t>r</a:t>
             </a:r>
             <a:r>
-              <a:rPr lang="en-US" sz="1600" dirty="0" smtClean="0">
+              <a:rPr lang="en-US" sz="1600" dirty="0">
                 <a:solidFill>
                   <a:srgbClr val="258EA3"/>
                 </a:solidFill>
+                <a:latin typeface="+mn-lt"/>
+                <a:cs typeface="+mn-cs"/>
               </a:rPr>
               <a:t>o</a:t>
             </a:r>
             <a:r>
-              <a:rPr lang="en-US" sz="1600" dirty="0" smtClean="0">
+              <a:rPr lang="en-US" sz="1600" dirty="0">
                 <a:solidFill>
                   <a:srgbClr val="1698B2"/>
                 </a:solidFill>
+                <a:latin typeface="+mn-lt"/>
+                <a:cs typeface="+mn-cs"/>
               </a:rPr>
               <a:t>m</a:t>
             </a:r>
             <a:r>
-              <a:rPr lang="en-US" sz="1600" dirty="0" smtClean="0">
+              <a:rPr lang="en-US" sz="1600" dirty="0">
                 <a:solidFill>
                   <a:srgbClr val="06A3C2"/>
                 </a:solidFill>
+                <a:latin typeface="+mn-lt"/>
+                <a:cs typeface="+mn-cs"/>
               </a:rPr>
               <a:t>a</a:t>
             </a:r>
             <a:r>
-              <a:rPr lang="en-US" sz="1600" dirty="0" smtClean="0"/>
+              <a:rPr lang="en-US" sz="1600" dirty="0">
+                <a:latin typeface="+mn-lt"/>
+                <a:cs typeface="+mn-cs"/>
+              </a:rPr>
               <a:t>-</a:t>
             </a:r>
             <a:r>
-              <a:rPr lang="en-US" sz="1600" b="1" dirty="0" smtClean="0"/>
+              <a:rPr lang="en-US" sz="1600" b="1" dirty="0">
+                <a:latin typeface="+mn-lt"/>
+                <a:cs typeface="+mn-cs"/>
+              </a:rPr>
               <a:t>L</a:t>
             </a:r>
             <a:r>
-              <a:rPr lang="en-US" sz="1600" dirty="0" smtClean="0">
+              <a:rPr lang="en-US" sz="1600" dirty="0">
                 <a:solidFill>
                   <a:schemeClr val="tx1">
                     <a:lumMod val="95000"/>
                     <a:lumOff val="5000"/>
                   </a:schemeClr>
                 </a:solidFill>
+                <a:latin typeface="+mn-lt"/>
+                <a:cs typeface="+mn-cs"/>
               </a:rPr>
               <a:t>u</a:t>
             </a:r>
             <a:r>
-              <a:rPr lang="en-US" sz="1600" dirty="0" smtClean="0">
+              <a:rPr lang="en-US" sz="1600" dirty="0">
                 <a:solidFill>
                   <a:schemeClr val="tx1">
                     <a:lumMod val="75000"/>
                     <a:lumOff val="25000"/>
                   </a:schemeClr>
                 </a:solidFill>
+                <a:latin typeface="+mn-lt"/>
+                <a:cs typeface="+mn-cs"/>
               </a:rPr>
               <a:t>m</a:t>
             </a:r>
             <a:r>
-              <a:rPr lang="en-US" sz="1600" dirty="0" smtClean="0">
+              <a:rPr lang="en-US" sz="1600" dirty="0">
                 <a:solidFill>
                   <a:schemeClr val="tx1">
                     <a:lumMod val="65000"/>
                     <a:lumOff val="35000"/>
                   </a:schemeClr>
                 </a:solidFill>
+                <a:latin typeface="+mn-lt"/>
+                <a:cs typeface="+mn-cs"/>
               </a:rPr>
               <a:t>in</a:t>
             </a:r>
             <a:r>
-              <a:rPr lang="en-US" sz="1600" dirty="0" smtClean="0">
+              <a:rPr lang="en-US" sz="1600" dirty="0">
                 <a:solidFill>
                   <a:schemeClr val="tx1">
                     <a:lumMod val="50000"/>
                     <a:lumOff val="50000"/>
                   </a:schemeClr>
                 </a:solidFill>
+                <a:latin typeface="+mn-lt"/>
+                <a:cs typeface="+mn-cs"/>
               </a:rPr>
               <a:t>a</a:t>
             </a:r>
             <a:r>
-              <a:rPr lang="en-US" sz="1600" dirty="0" smtClean="0">
+              <a:rPr lang="en-US" sz="1600" dirty="0">
                 <a:solidFill>
                   <a:schemeClr val="bg1">
                     <a:lumMod val="65000"/>
                   </a:schemeClr>
                 </a:solidFill>
+                <a:latin typeface="+mn-lt"/>
+                <a:cs typeface="+mn-cs"/>
               </a:rPr>
               <a:t>nc</a:t>
             </a:r>
             <a:r>
-              <a:rPr lang="en-US" sz="1600" dirty="0" smtClean="0">
+              <a:rPr lang="en-US" sz="1600" dirty="0">
                 <a:solidFill>
                   <a:schemeClr val="bg1">
                     <a:lumMod val="75000"/>
                   </a:schemeClr>
                 </a:solidFill>
+                <a:latin typeface="+mn-lt"/>
+                <a:cs typeface="+mn-cs"/>
               </a:rPr>
               <a:t>e</a:t>
             </a:r>
           </a:p>
           <a:p>
-            <a:endParaRPr lang="en-US" sz="1600" dirty="0"/>
-          </a:p>
-          <a:p>
-            <a:r>
-              <a:rPr lang="en-US" sz="1600" dirty="0" smtClean="0"/>
+            <a:pPr fontAlgn="auto">
+              <a:spcBef>
+                <a:spcPts val="0"/>
+              </a:spcBef>
+              <a:spcAft>
+                <a:spcPts val="0"/>
+              </a:spcAft>
+              <a:defRPr/>
+            </a:pPr>
+            <a:endParaRPr lang="en-US" sz="1600" dirty="0">
+              <a:latin typeface="+mn-lt"/>
+              <a:cs typeface="+mn-cs"/>
+            </a:endParaRPr>
+          </a:p>
+          <a:p>
+            <a:pPr fontAlgn="auto">
+              <a:spcBef>
+                <a:spcPts val="0"/>
+              </a:spcBef>
+              <a:spcAft>
+                <a:spcPts val="0"/>
+              </a:spcAft>
+              <a:defRPr/>
+            </a:pPr>
+            <a:r>
+              <a:rPr lang="en-US" sz="1600" dirty="0">
+                <a:latin typeface="+mn-lt"/>
+                <a:cs typeface="+mn-cs"/>
+              </a:rPr>
               <a:t>Hue: branch of the tree</a:t>
             </a:r>
           </a:p>
           <a:p>
-            <a:r>
-              <a:rPr lang="en-US" sz="1600" dirty="0" smtClean="0"/>
+            <a:pPr fontAlgn="auto">
+              <a:spcBef>
+                <a:spcPts val="0"/>
+              </a:spcBef>
+              <a:spcAft>
+                <a:spcPts val="0"/>
+              </a:spcAft>
+              <a:defRPr/>
+            </a:pPr>
+            <a:r>
+              <a:rPr lang="en-US" sz="1600" dirty="0">
+                <a:latin typeface="+mn-lt"/>
+                <a:cs typeface="+mn-cs"/>
+              </a:rPr>
               <a:t>Chroma and Luminance: tree depth</a:t>
             </a:r>
           </a:p>
         </p:txBody>
       </p:sp>
     </p:spTree>
-    <p:extLst>
-      <p:ext uri="{BB962C8B-B14F-4D97-AF65-F5344CB8AC3E}">
-        <p14:creationId xmlns:p14="http://schemas.microsoft.com/office/powerpoint/2010/main" val="553562181"/>
-      </p:ext>
-    </p:extLst>
   </p:cSld>
   <p:clrMapOvr>
     <a:masterClrMapping/>
   </p:clrMapOvr>
+  <p:transition advTm="15000"/>
   <p:timing>
     <p:tnLst>
       <p:par>
@@ -3516,58 +4028,56 @@
       </p:grpSpPr>
       <p:sp>
         <p:nvSpPr>
-          <p:cNvPr id="4" name="Tekstvak 3"/>
-          <p:cNvSpPr txBox="1"/>
+          <p:cNvPr id="14337" name="Tekstvak 3"/>
+          <p:cNvSpPr txBox="1">
+            <a:spLocks noChangeArrowheads="1"/>
+          </p:cNvSpPr>
           <p:nvPr/>
         </p:nvSpPr>
-        <p:spPr>
+        <p:spPr bwMode="auto">
           <a:xfrm>
-            <a:off x="508124" y="381000"/>
-            <a:ext cx="1973745" cy="523220"/>
+            <a:off x="508000" y="381000"/>
+            <a:ext cx="1973263" cy="523875"/>
           </a:xfrm>
           <a:prstGeom prst="rect">
             <a:avLst/>
           </a:prstGeom>
           <a:noFill/>
+          <a:ln w="9525">
+            <a:noFill/>
+            <a:miter lim="800000"/>
+            <a:headEnd/>
+            <a:tailEnd/>
+          </a:ln>
         </p:spPr>
         <p:txBody>
-          <a:bodyPr wrap="none" rtlCol="0">
+          <a:bodyPr wrap="none">
             <a:spAutoFit/>
           </a:bodyPr>
           <a:lstStyle/>
           <a:p>
             <a:r>
-              <a:rPr lang="en-US" sz="2800" dirty="0" smtClean="0">
+              <a:rPr lang="en-US" sz="2800">
                 <a:solidFill>
                   <a:schemeClr val="tx2"/>
                 </a:solidFill>
+                <a:latin typeface="Calibri" pitchFamily="34" charset="0"/>
               </a:rPr>
               <a:t>Applications</a:t>
             </a:r>
-            <a:endParaRPr lang="en-US" sz="2800" dirty="0">
-              <a:solidFill>
-                <a:schemeClr val="tx2"/>
-              </a:solidFill>
-            </a:endParaRPr>
           </a:p>
         </p:txBody>
       </p:sp>
       <p:pic>
         <p:nvPicPr>
-          <p:cNvPr id="2050" name="Picture 2" descr="D:\tijn\rdevel\hierCols\plots\treemap_F.PNG"/>
+          <p:cNvPr id="14338" name="Picture 2" descr="D:\tijn\rdevel\hierCols\plots\treemap_F.PNG"/>
           <p:cNvPicPr>
             <a:picLocks noChangeAspect="1" noChangeArrowheads="1"/>
           </p:cNvPicPr>
           <p:nvPr/>
         </p:nvPicPr>
         <p:blipFill>
-          <a:blip r:embed="rId2" cstate="print">
-            <a:extLst>
-              <a:ext uri="{28A0092B-C50C-407E-A947-70E740481C1C}">
-                <a14:useLocalDpi xmlns:a14="http://schemas.microsoft.com/office/drawing/2010/main" val="0"/>
-              </a:ext>
-            </a:extLst>
-          </a:blip>
+          <a:blip r:embed="rId2"/>
           <a:srcRect/>
           <a:stretch>
             <a:fillRect/>
@@ -3575,40 +4085,31 @@
         </p:blipFill>
         <p:spPr bwMode="auto">
           <a:xfrm>
-            <a:off x="3592992" y="3429000"/>
-            <a:ext cx="5017608" cy="2884488"/>
+            <a:off x="3592513" y="3429000"/>
+            <a:ext cx="5018087" cy="2884488"/>
           </a:xfrm>
           <a:prstGeom prst="rect">
             <a:avLst/>
           </a:prstGeom>
           <a:noFill/>
-          <a:extLst>
-            <a:ext uri="{909E8E84-426E-40DD-AFC4-6F175D3DCCD1}">
-              <a14:hiddenFill xmlns:a14="http://schemas.microsoft.com/office/drawing/2010/main">
-                <a:solidFill>
-                  <a:srgbClr val="FFFFFF"/>
-                </a:solidFill>
-              </a14:hiddenFill>
-            </a:ext>
-          </a:extLst>
+          <a:ln w="9525">
+            <a:noFill/>
+            <a:miter lim="800000"/>
+            <a:headEnd/>
+            <a:tailEnd/>
+          </a:ln>
         </p:spPr>
       </p:pic>
       <p:pic>
         <p:nvPicPr>
-          <p:cNvPr id="2051" name="Picture 3" descr="D:\tijn\rdevel\hierCols\plots\stackedarea_chart.PNG"/>
+          <p:cNvPr id="14339" name="Picture 3" descr="D:\tijn\rdevel\hierCols\plots\stackedarea_chart.PNG"/>
           <p:cNvPicPr>
             <a:picLocks noChangeAspect="1" noChangeArrowheads="1"/>
           </p:cNvPicPr>
           <p:nvPr/>
         </p:nvPicPr>
         <p:blipFill>
-          <a:blip r:embed="rId3" cstate="print">
-            <a:extLst>
-              <a:ext uri="{28A0092B-C50C-407E-A947-70E740481C1C}">
-                <a14:useLocalDpi xmlns:a14="http://schemas.microsoft.com/office/drawing/2010/main" val="0"/>
-              </a:ext>
-            </a:extLst>
-          </a:blip>
+          <a:blip r:embed="rId3"/>
           <a:srcRect/>
           <a:stretch>
             <a:fillRect/>
@@ -3616,40 +4117,31 @@
         </p:blipFill>
         <p:spPr bwMode="auto">
           <a:xfrm>
-            <a:off x="5266177" y="271504"/>
-            <a:ext cx="3344423" cy="2698049"/>
+            <a:off x="5265738" y="271463"/>
+            <a:ext cx="3344862" cy="2698750"/>
           </a:xfrm>
           <a:prstGeom prst="rect">
             <a:avLst/>
           </a:prstGeom>
           <a:noFill/>
-          <a:extLst>
-            <a:ext uri="{909E8E84-426E-40DD-AFC4-6F175D3DCCD1}">
-              <a14:hiddenFill xmlns:a14="http://schemas.microsoft.com/office/drawing/2010/main">
-                <a:solidFill>
-                  <a:srgbClr val="FFFFFF"/>
-                </a:solidFill>
-              </a14:hiddenFill>
-            </a:ext>
-          </a:extLst>
+          <a:ln w="9525">
+            <a:noFill/>
+            <a:miter lim="800000"/>
+            <a:headEnd/>
+            <a:tailEnd/>
+          </a:ln>
         </p:spPr>
       </p:pic>
       <p:pic>
         <p:nvPicPr>
-          <p:cNvPr id="2052" name="Picture 4" descr="D:\tijn\rdevel\hierCols\plots\bar_chart.PNG"/>
+          <p:cNvPr id="14340" name="Picture 4" descr="D:\tijn\rdevel\hierCols\plots\bar_chart.PNG"/>
           <p:cNvPicPr>
             <a:picLocks noChangeAspect="1" noChangeArrowheads="1"/>
           </p:cNvPicPr>
           <p:nvPr/>
         </p:nvPicPr>
         <p:blipFill>
-          <a:blip r:embed="rId4" cstate="print">
-            <a:extLst>
-              <a:ext uri="{28A0092B-C50C-407E-A947-70E740481C1C}">
-                <a14:useLocalDpi xmlns:a14="http://schemas.microsoft.com/office/drawing/2010/main" val="0"/>
-              </a:ext>
-            </a:extLst>
-          </a:blip>
+          <a:blip r:embed="rId4"/>
           <a:srcRect/>
           <a:stretch>
             <a:fillRect/>
@@ -3657,154 +4149,190 @@
         </p:blipFill>
         <p:spPr bwMode="auto">
           <a:xfrm>
-            <a:off x="914400" y="2371807"/>
-            <a:ext cx="1887351" cy="2592861"/>
+            <a:off x="914400" y="2371725"/>
+            <a:ext cx="1887538" cy="2592388"/>
           </a:xfrm>
           <a:prstGeom prst="rect">
             <a:avLst/>
           </a:prstGeom>
           <a:noFill/>
-          <a:extLst>
-            <a:ext uri="{909E8E84-426E-40DD-AFC4-6F175D3DCCD1}">
-              <a14:hiddenFill xmlns:a14="http://schemas.microsoft.com/office/drawing/2010/main">
-                <a:solidFill>
-                  <a:srgbClr val="FFFFFF"/>
-                </a:solidFill>
-              </a14:hiddenFill>
-            </a:ext>
-          </a:extLst>
+          <a:ln w="9525">
+            <a:noFill/>
+            <a:miter lim="800000"/>
+            <a:headEnd/>
+            <a:tailEnd/>
+          </a:ln>
         </p:spPr>
       </p:pic>
       <p:sp>
         <p:nvSpPr>
-          <p:cNvPr id="5" name="Tekstvak 4"/>
-          <p:cNvSpPr txBox="1"/>
+          <p:cNvPr id="14341" name="Tekstvak 4"/>
+          <p:cNvSpPr txBox="1">
+            <a:spLocks noChangeArrowheads="1"/>
+          </p:cNvSpPr>
           <p:nvPr/>
         </p:nvSpPr>
-        <p:spPr>
+        <p:spPr bwMode="auto">
           <a:xfrm>
-            <a:off x="1066800" y="4964668"/>
-            <a:ext cx="1040670" cy="369332"/>
+            <a:off x="1066800" y="4964113"/>
+            <a:ext cx="1041400" cy="369887"/>
           </a:xfrm>
           <a:prstGeom prst="rect">
             <a:avLst/>
           </a:prstGeom>
           <a:noFill/>
+          <a:ln w="9525">
+            <a:noFill/>
+            <a:miter lim="800000"/>
+            <a:headEnd/>
+            <a:tailEnd/>
+          </a:ln>
         </p:spPr>
         <p:txBody>
-          <a:bodyPr wrap="none" rtlCol="0">
+          <a:bodyPr wrap="none">
             <a:spAutoFit/>
           </a:bodyPr>
           <a:lstStyle/>
           <a:p>
             <a:r>
-              <a:rPr lang="en-US" dirty="0" smtClean="0"/>
+              <a:rPr lang="en-US">
+                <a:latin typeface="Calibri" pitchFamily="34" charset="0"/>
+              </a:rPr>
               <a:t>Bar chart</a:t>
             </a:r>
-            <a:endParaRPr lang="en-US" dirty="0"/>
-          </a:p>
-        </p:txBody>
-      </p:sp>
-      <p:sp>
-        <p:nvSpPr>
-          <p:cNvPr id="9" name="Tekstvak 8"/>
-          <p:cNvSpPr txBox="1"/>
+          </a:p>
+        </p:txBody>
+      </p:sp>
+      <p:sp>
+        <p:nvSpPr>
+          <p:cNvPr id="14342" name="Tekstvak 8"/>
+          <p:cNvSpPr txBox="1">
+            <a:spLocks noChangeArrowheads="1"/>
+          </p:cNvSpPr>
           <p:nvPr/>
         </p:nvSpPr>
-        <p:spPr>
+        <p:spPr bwMode="auto">
           <a:xfrm>
-            <a:off x="5477543" y="2907268"/>
-            <a:ext cx="1913857" cy="369332"/>
+            <a:off x="5476875" y="2906713"/>
+            <a:ext cx="1914525" cy="369887"/>
           </a:xfrm>
           <a:prstGeom prst="rect">
             <a:avLst/>
           </a:prstGeom>
           <a:noFill/>
+          <a:ln w="9525">
+            <a:noFill/>
+            <a:miter lim="800000"/>
+            <a:headEnd/>
+            <a:tailEnd/>
+          </a:ln>
         </p:spPr>
         <p:txBody>
-          <a:bodyPr wrap="none" rtlCol="0">
+          <a:bodyPr wrap="none">
             <a:spAutoFit/>
           </a:bodyPr>
           <a:lstStyle/>
           <a:p>
             <a:r>
-              <a:rPr lang="en-US" dirty="0" smtClean="0"/>
+              <a:rPr lang="en-US">
+                <a:latin typeface="Calibri" pitchFamily="34" charset="0"/>
+              </a:rPr>
               <a:t>Stacked area chart</a:t>
             </a:r>
-            <a:endParaRPr lang="en-US" dirty="0"/>
-          </a:p>
-        </p:txBody>
-      </p:sp>
-      <p:sp>
-        <p:nvSpPr>
-          <p:cNvPr id="10" name="Tekstvak 9"/>
-          <p:cNvSpPr txBox="1"/>
+          </a:p>
+        </p:txBody>
+      </p:sp>
+      <p:sp>
+        <p:nvSpPr>
+          <p:cNvPr id="14343" name="Tekstvak 9"/>
+          <p:cNvSpPr txBox="1">
+            <a:spLocks noChangeArrowheads="1"/>
+          </p:cNvSpPr>
           <p:nvPr/>
         </p:nvSpPr>
-        <p:spPr>
+        <p:spPr bwMode="auto">
           <a:xfrm>
-            <a:off x="3506306" y="6299437"/>
-            <a:ext cx="1007327" cy="369332"/>
+            <a:off x="3506788" y="6299200"/>
+            <a:ext cx="1006475" cy="369888"/>
           </a:xfrm>
           <a:prstGeom prst="rect">
             <a:avLst/>
           </a:prstGeom>
           <a:noFill/>
+          <a:ln w="9525">
+            <a:noFill/>
+            <a:miter lim="800000"/>
+            <a:headEnd/>
+            <a:tailEnd/>
+          </a:ln>
         </p:spPr>
         <p:txBody>
-          <a:bodyPr wrap="none" rtlCol="0">
+          <a:bodyPr wrap="none">
             <a:spAutoFit/>
           </a:bodyPr>
           <a:lstStyle/>
           <a:p>
             <a:r>
-              <a:rPr lang="en-US" dirty="0" err="1" smtClean="0"/>
+              <a:rPr lang="en-US">
+                <a:latin typeface="Calibri" pitchFamily="34" charset="0"/>
+              </a:rPr>
               <a:t>Treemap</a:t>
             </a:r>
-            <a:endParaRPr lang="en-US" dirty="0"/>
-          </a:p>
-        </p:txBody>
-      </p:sp>
-      <p:sp>
-        <p:nvSpPr>
-          <p:cNvPr id="11" name="Tekstvak 10"/>
-          <p:cNvSpPr txBox="1"/>
+          </a:p>
+        </p:txBody>
+      </p:sp>
+      <p:sp>
+        <p:nvSpPr>
+          <p:cNvPr id="14344" name="Tekstvak 10"/>
+          <p:cNvSpPr txBox="1">
+            <a:spLocks noChangeArrowheads="1"/>
+          </p:cNvSpPr>
           <p:nvPr/>
         </p:nvSpPr>
-        <p:spPr>
+        <p:spPr bwMode="auto">
           <a:xfrm>
-            <a:off x="517649" y="1307068"/>
-            <a:ext cx="4361515" cy="369332"/>
+            <a:off x="517525" y="1306513"/>
+            <a:ext cx="4360863" cy="369887"/>
           </a:xfrm>
           <a:prstGeom prst="rect">
             <a:avLst/>
           </a:prstGeom>
           <a:noFill/>
+          <a:ln w="9525">
+            <a:noFill/>
+            <a:miter lim="800000"/>
+            <a:headEnd/>
+            <a:tailEnd/>
+          </a:ln>
         </p:spPr>
         <p:txBody>
-          <a:bodyPr wrap="none" rtlCol="0">
+          <a:bodyPr wrap="none">
             <a:spAutoFit/>
           </a:bodyPr>
           <a:lstStyle/>
           <a:p>
             <a:r>
-              <a:rPr lang="en-US" dirty="0" smtClean="0"/>
+              <a:rPr lang="en-US">
+                <a:latin typeface="Calibri" pitchFamily="34" charset="0"/>
+              </a:rPr>
               <a:t>Data: turnover values per economic section</a:t>
             </a:r>
-            <a:endParaRPr lang="en-US" dirty="0"/>
           </a:p>
         </p:txBody>
       </p:sp>
     </p:spTree>
-    <p:extLst>
-      <p:ext uri="{BB962C8B-B14F-4D97-AF65-F5344CB8AC3E}">
-        <p14:creationId xmlns:p14="http://schemas.microsoft.com/office/powerpoint/2010/main" val="599688748"/>
-      </p:ext>
-    </p:extLst>
   </p:cSld>
   <p:clrMapOvr>
     <a:masterClrMapping/>
   </p:clrMapOvr>
+  <p:transition advTm="15000"/>
+  <p:timing>
+    <p:tnLst>
+      <p:par>
+        <p:cTn id="1" dur="indefinite" restart="never" nodeType="tmRoot"/>
+      </p:par>
+    </p:tnLst>
+  </p:timing>
 </p:sld>
 </file>
 
